--- a/Klimova_na_nemetskom.pptx
+++ b/Klimova_na_nemetskom.pptx
@@ -5,19 +5,15 @@
     <p:sldMasterId id="2147483660" r:id="rId1"/>
   </p:sldMasterIdLst>
   <p:notesMasterIdLst>
-    <p:notesMasterId r:id="rId12"/>
+    <p:notesMasterId r:id="rId8"/>
   </p:notesMasterIdLst>
   <p:sldIdLst>
     <p:sldId id="256" r:id="rId2"/>
     <p:sldId id="275" r:id="rId3"/>
-    <p:sldId id="283" r:id="rId4"/>
-    <p:sldId id="273" r:id="rId5"/>
-    <p:sldId id="277" r:id="rId6"/>
-    <p:sldId id="259" r:id="rId7"/>
-    <p:sldId id="284" r:id="rId8"/>
-    <p:sldId id="286" r:id="rId9"/>
-    <p:sldId id="285" r:id="rId10"/>
-    <p:sldId id="267" r:id="rId11"/>
+    <p:sldId id="288" r:id="rId4"/>
+    <p:sldId id="287" r:id="rId5"/>
+    <p:sldId id="283" r:id="rId6"/>
+    <p:sldId id="267" r:id="rId7"/>
   </p:sldIdLst>
   <p:sldSz cx="9144000" cy="6858000" type="screen4x3"/>
   <p:notesSz cx="6858000" cy="9144000"/>
@@ -218,7 +214,7 @@
             <a:fld id="{77D36C68-DDAB-4D09-8E72-8E937BD7768C}" type="datetimeFigureOut">
               <a:rPr lang="ru-RU" smtClean="0"/>
               <a:pPr/>
-              <a:t>24.03.2023</a:t>
+              <a:t>01.04.2023</a:t>
             </a:fld>
             <a:endParaRPr lang="ru-RU"/>
           </a:p>
@@ -486,176 +482,6 @@
 </p:notesMaster>
 </file>
 
-<file path=ppt/notesSlides/notesSlide1.xml><?xml version="1.0" encoding="utf-8"?>
-<p:notes xmlns:a="http://schemas.openxmlformats.org/drawingml/2006/main" xmlns:r="http://schemas.openxmlformats.org/officeDocument/2006/relationships" xmlns:p="http://schemas.openxmlformats.org/presentationml/2006/main">
-  <p:cSld>
-    <p:spTree>
-      <p:nvGrpSpPr>
-        <p:cNvPr id="1" name=""/>
-        <p:cNvGrpSpPr/>
-        <p:nvPr/>
-      </p:nvGrpSpPr>
-      <p:grpSpPr>
-        <a:xfrm>
-          <a:off x="0" y="0"/>
-          <a:ext cx="0" cy="0"/>
-          <a:chOff x="0" y="0"/>
-          <a:chExt cx="0" cy="0"/>
-        </a:xfrm>
-      </p:grpSpPr>
-      <p:sp>
-        <p:nvSpPr>
-          <p:cNvPr id="2" name="Образ слайда 1"/>
-          <p:cNvSpPr>
-            <a:spLocks noGrp="1" noRot="1" noChangeAspect="1"/>
-          </p:cNvSpPr>
-          <p:nvPr>
-            <p:ph type="sldImg"/>
-          </p:nvPr>
-        </p:nvSpPr>
-        <p:spPr/>
-      </p:sp>
-      <p:sp>
-        <p:nvSpPr>
-          <p:cNvPr id="3" name="Заметки 2"/>
-          <p:cNvSpPr>
-            <a:spLocks noGrp="1"/>
-          </p:cNvSpPr>
-          <p:nvPr>
-            <p:ph type="body" idx="1"/>
-          </p:nvPr>
-        </p:nvSpPr>
-        <p:spPr/>
-        <p:txBody>
-          <a:bodyPr/>
-          <a:lstStyle/>
-          <a:p>
-            <a:endParaRPr lang="ru-RU" dirty="0"/>
-          </a:p>
-        </p:txBody>
-      </p:sp>
-      <p:sp>
-        <p:nvSpPr>
-          <p:cNvPr id="4" name="Номер слайда 3"/>
-          <p:cNvSpPr>
-            <a:spLocks noGrp="1"/>
-          </p:cNvSpPr>
-          <p:nvPr>
-            <p:ph type="sldNum" sz="quarter" idx="5"/>
-          </p:nvPr>
-        </p:nvSpPr>
-        <p:spPr/>
-        <p:txBody>
-          <a:bodyPr/>
-          <a:lstStyle/>
-          <a:p>
-            <a:fld id="{0048289E-2F4B-4BDB-9E3D-307BE649A8BF}" type="slidenum">
-              <a:rPr lang="ru-RU" smtClean="0"/>
-              <a:pPr/>
-              <a:t>4</a:t>
-            </a:fld>
-            <a:endParaRPr lang="ru-RU"/>
-          </a:p>
-        </p:txBody>
-      </p:sp>
-    </p:spTree>
-    <p:extLst>
-      <p:ext uri="{BB962C8B-B14F-4D97-AF65-F5344CB8AC3E}">
-        <p14:creationId xmlns="" xmlns:p14="http://schemas.microsoft.com/office/powerpoint/2010/main" val="4140572847"/>
-      </p:ext>
-    </p:extLst>
-  </p:cSld>
-  <p:clrMapOvr>
-    <a:masterClrMapping/>
-  </p:clrMapOvr>
-</p:notes>
-</file>
-
-<file path=ppt/notesSlides/notesSlide2.xml><?xml version="1.0" encoding="utf-8"?>
-<p:notes xmlns:a="http://schemas.openxmlformats.org/drawingml/2006/main" xmlns:r="http://schemas.openxmlformats.org/officeDocument/2006/relationships" xmlns:p="http://schemas.openxmlformats.org/presentationml/2006/main">
-  <p:cSld>
-    <p:spTree>
-      <p:nvGrpSpPr>
-        <p:cNvPr id="1" name=""/>
-        <p:cNvGrpSpPr/>
-        <p:nvPr/>
-      </p:nvGrpSpPr>
-      <p:grpSpPr>
-        <a:xfrm>
-          <a:off x="0" y="0"/>
-          <a:ext cx="0" cy="0"/>
-          <a:chOff x="0" y="0"/>
-          <a:chExt cx="0" cy="0"/>
-        </a:xfrm>
-      </p:grpSpPr>
-      <p:sp>
-        <p:nvSpPr>
-          <p:cNvPr id="2" name="Образ слайда 1"/>
-          <p:cNvSpPr>
-            <a:spLocks noGrp="1" noRot="1" noChangeAspect="1"/>
-          </p:cNvSpPr>
-          <p:nvPr>
-            <p:ph type="sldImg"/>
-          </p:nvPr>
-        </p:nvSpPr>
-        <p:spPr/>
-      </p:sp>
-      <p:sp>
-        <p:nvSpPr>
-          <p:cNvPr id="3" name="Заметки 2"/>
-          <p:cNvSpPr>
-            <a:spLocks noGrp="1"/>
-          </p:cNvSpPr>
-          <p:nvPr>
-            <p:ph type="body" idx="1"/>
-          </p:nvPr>
-        </p:nvSpPr>
-        <p:spPr/>
-        <p:txBody>
-          <a:bodyPr/>
-          <a:lstStyle/>
-          <a:p>
-            <a:endParaRPr lang="ru-RU" dirty="0"/>
-          </a:p>
-        </p:txBody>
-      </p:sp>
-      <p:sp>
-        <p:nvSpPr>
-          <p:cNvPr id="4" name="Номер слайда 3"/>
-          <p:cNvSpPr>
-            <a:spLocks noGrp="1"/>
-          </p:cNvSpPr>
-          <p:nvPr>
-            <p:ph type="sldNum" sz="quarter" idx="5"/>
-          </p:nvPr>
-        </p:nvSpPr>
-        <p:spPr/>
-        <p:txBody>
-          <a:bodyPr/>
-          <a:lstStyle/>
-          <a:p>
-            <a:fld id="{0048289E-2F4B-4BDB-9E3D-307BE649A8BF}" type="slidenum">
-              <a:rPr lang="ru-RU" smtClean="0"/>
-              <a:pPr/>
-              <a:t>5</a:t>
-            </a:fld>
-            <a:endParaRPr lang="ru-RU"/>
-          </a:p>
-        </p:txBody>
-      </p:sp>
-    </p:spTree>
-    <p:extLst>
-      <p:ext uri="{BB962C8B-B14F-4D97-AF65-F5344CB8AC3E}">
-        <p14:creationId xmlns="" xmlns:p14="http://schemas.microsoft.com/office/powerpoint/2010/main" val="4140572847"/>
-      </p:ext>
-    </p:extLst>
-  </p:cSld>
-  <p:clrMapOvr>
-    <a:masterClrMapping/>
-  </p:clrMapOvr>
-</p:notes>
-</file>
-
 <file path=ppt/slideLayouts/slideLayout1.xml><?xml version="1.0" encoding="utf-8"?>
 <p:sldLayout xmlns:a="http://schemas.openxmlformats.org/drawingml/2006/main" xmlns:r="http://schemas.openxmlformats.org/officeDocument/2006/relationships" xmlns:p="http://schemas.openxmlformats.org/presentationml/2006/main" type="title" preserve="1">
   <p:cSld name="Титульный слайд">
@@ -788,7 +614,7 @@
             <a:fld id="{0CD2006A-6BE7-43E8-8AD6-C09FC266B36F}" type="datetime1">
               <a:rPr lang="ru-RU" smtClean="0"/>
               <a:pPr/>
-              <a:t>24.03.2023</a:t>
+              <a:t>01.04.2023</a:t>
             </a:fld>
             <a:endParaRPr lang="ru-RU"/>
           </a:p>
@@ -960,7 +786,7 @@
             <a:fld id="{DCFD85EE-4AB9-42CD-8126-E74FE77A9ED8}" type="datetime1">
               <a:rPr lang="ru-RU" smtClean="0"/>
               <a:pPr/>
-              <a:t>24.03.2023</a:t>
+              <a:t>01.04.2023</a:t>
             </a:fld>
             <a:endParaRPr lang="ru-RU"/>
           </a:p>
@@ -1142,7 +968,7 @@
             <a:fld id="{560B916C-83BE-4CC1-8A21-D05CD30C43DB}" type="datetime1">
               <a:rPr lang="ru-RU" smtClean="0"/>
               <a:pPr/>
-              <a:t>24.03.2023</a:t>
+              <a:t>01.04.2023</a:t>
             </a:fld>
             <a:endParaRPr lang="ru-RU"/>
           </a:p>
@@ -1314,7 +1140,7 @@
             <a:fld id="{D2E13183-B2A1-4784-80CE-65A33D52CB0B}" type="datetime1">
               <a:rPr lang="ru-RU" smtClean="0"/>
               <a:pPr/>
-              <a:t>24.03.2023</a:t>
+              <a:t>01.04.2023</a:t>
             </a:fld>
             <a:endParaRPr lang="ru-RU"/>
           </a:p>
@@ -1560,7 +1386,7 @@
             <a:fld id="{DEA388E9-D2C3-4436-BFEE-5F0C2E0896FE}" type="datetime1">
               <a:rPr lang="ru-RU" smtClean="0"/>
               <a:pPr/>
-              <a:t>24.03.2023</a:t>
+              <a:t>01.04.2023</a:t>
             </a:fld>
             <a:endParaRPr lang="ru-RU"/>
           </a:p>
@@ -1794,7 +1620,7 @@
             <a:fld id="{13A15BC7-66CE-44BA-84C4-ADF5D358A8E5}" type="datetime1">
               <a:rPr lang="ru-RU" smtClean="0"/>
               <a:pPr/>
-              <a:t>24.03.2023</a:t>
+              <a:t>01.04.2023</a:t>
             </a:fld>
             <a:endParaRPr lang="ru-RU"/>
           </a:p>
@@ -2163,7 +1989,7 @@
             <a:fld id="{8C55F641-8A7B-48BB-9924-29525D09D843}" type="datetime1">
               <a:rPr lang="ru-RU" smtClean="0"/>
               <a:pPr/>
-              <a:t>24.03.2023</a:t>
+              <a:t>01.04.2023</a:t>
             </a:fld>
             <a:endParaRPr lang="ru-RU"/>
           </a:p>
@@ -2283,7 +2109,7 @@
             <a:fld id="{28C4CC1A-CDB1-4CBC-83A8-3EB958439194}" type="datetime1">
               <a:rPr lang="ru-RU" smtClean="0"/>
               <a:pPr/>
-              <a:t>24.03.2023</a:t>
+              <a:t>01.04.2023</a:t>
             </a:fld>
             <a:endParaRPr lang="ru-RU"/>
           </a:p>
@@ -2380,7 +2206,7 @@
             <a:fld id="{DCA5C5F1-78C0-4305-B0EC-8CEF047F6C93}" type="datetime1">
               <a:rPr lang="ru-RU" smtClean="0"/>
               <a:pPr/>
-              <a:t>24.03.2023</a:t>
+              <a:t>01.04.2023</a:t>
             </a:fld>
             <a:endParaRPr lang="ru-RU"/>
           </a:p>
@@ -2659,7 +2485,7 @@
             <a:fld id="{8FF670FB-17C0-4434-90C8-A4668EF13565}" type="datetime1">
               <a:rPr lang="ru-RU" smtClean="0"/>
               <a:pPr/>
-              <a:t>24.03.2023</a:t>
+              <a:t>01.04.2023</a:t>
             </a:fld>
             <a:endParaRPr lang="ru-RU"/>
           </a:p>
@@ -2918,7 +2744,7 @@
             <a:fld id="{5FA5D1FD-3FC4-47EA-B2EB-FF46800F6009}" type="datetime1">
               <a:rPr lang="ru-RU" smtClean="0"/>
               <a:pPr/>
-              <a:t>24.03.2023</a:t>
+              <a:t>01.04.2023</a:t>
             </a:fld>
             <a:endParaRPr lang="ru-RU"/>
           </a:p>
@@ -3142,7 +2968,7 @@
             <a:fld id="{6C109404-ED28-47FE-9DC5-C6BCEA110D1D}" type="datetime1">
               <a:rPr lang="ru-RU" smtClean="0"/>
               <a:pPr/>
-              <a:t>24.03.2023</a:t>
+              <a:t>01.04.2023</a:t>
             </a:fld>
             <a:endParaRPr lang="ru-RU"/>
           </a:p>
@@ -3587,8 +3413,8 @@
         </p:nvSpPr>
         <p:spPr>
           <a:xfrm>
-            <a:off x="4631537" y="2157832"/>
-            <a:ext cx="3831772" cy="1938992"/>
+            <a:off x="4646527" y="3225481"/>
+            <a:ext cx="3831772" cy="523220"/>
           </a:xfrm>
           <a:prstGeom prst="rect">
             <a:avLst/>
@@ -3603,15 +3429,33 @@
           <a:p>
             <a:pPr algn="ctr"/>
             <a:r>
-              <a:rPr lang="de-DE" sz="2000" dirty="0" smtClean="0">
+              <a:rPr lang="en-US" sz="2800" dirty="0" err="1" smtClean="0">
                 <a:solidFill>
                   <a:schemeClr val="bg1"/>
                 </a:solidFill>
                 <a:latin typeface="Elektra Text Pro" panose="02000503030000020004" pitchFamily="50" charset="-52"/>
               </a:rPr>
-              <a:t>Code-Generierung und Reverse-Engineering für C ++ Design technologische Vorbereitung der Produktion eines Maschinenbauunternehmens.</a:t>
-            </a:r>
-            <a:endParaRPr lang="ru-RU" sz="2000" dirty="0">
+              <a:t>Guten</a:t>
+            </a:r>
+            <a:r>
+              <a:rPr lang="en-US" sz="2800" dirty="0" smtClean="0">
+                <a:solidFill>
+                  <a:schemeClr val="bg1"/>
+                </a:solidFill>
+                <a:latin typeface="Elektra Text Pro" panose="02000503030000020004" pitchFamily="50" charset="-52"/>
+              </a:rPr>
+              <a:t> </a:t>
+            </a:r>
+            <a:r>
+              <a:rPr lang="en-US" sz="2800" dirty="0" smtClean="0">
+                <a:solidFill>
+                  <a:schemeClr val="bg1"/>
+                </a:solidFill>
+                <a:latin typeface="Elektra Text Pro" panose="02000503030000020004" pitchFamily="50" charset="-52"/>
+              </a:rPr>
+              <a:t>Tag</a:t>
+            </a:r>
+            <a:endParaRPr lang="ru-RU" sz="2800" dirty="0">
               <a:solidFill>
                 <a:schemeClr val="bg1"/>
               </a:solidFill>
@@ -3623,6 +3467,38 @@
       <p:sp>
         <p:nvSpPr>
           <p:cNvPr id="8" name="TextBox 7"/>
+          <p:cNvSpPr txBox="1"/>
+          <p:nvPr/>
+        </p:nvSpPr>
+        <p:spPr>
+          <a:xfrm>
+            <a:off x="4639270" y="5005458"/>
+            <a:ext cx="3846286" cy="307777"/>
+          </a:xfrm>
+          <a:prstGeom prst="rect">
+            <a:avLst/>
+          </a:prstGeom>
+          <a:noFill/>
+        </p:spPr>
+        <p:txBody>
+          <a:bodyPr wrap="square" rtlCol="0" anchor="ctr" anchorCtr="1">
+            <a:spAutoFit/>
+          </a:bodyPr>
+          <a:lstStyle/>
+          <a:p>
+            <a:pPr algn="ctr"/>
+            <a:endParaRPr lang="ru-RU" sz="1400" dirty="0">
+              <a:solidFill>
+                <a:schemeClr val="bg1"/>
+              </a:solidFill>
+              <a:latin typeface="Elektra Text Pro" panose="02000503030000020004" pitchFamily="50" charset="-52"/>
+            </a:endParaRPr>
+          </a:p>
+        </p:txBody>
+      </p:sp>
+      <p:sp>
+        <p:nvSpPr>
+          <p:cNvPr id="9" name="TextBox 8"/>
           <p:cNvSpPr txBox="1"/>
           <p:nvPr/>
         </p:nvSpPr>
@@ -3798,22 +3674,21 @@
       </p:sp>
       <p:sp>
         <p:nvSpPr>
-          <p:cNvPr id="6" name="TextBox 5"/>
-          <p:cNvSpPr txBox="1"/>
+          <p:cNvPr id="10" name="Прямоугольник 9"/>
+          <p:cNvSpPr/>
           <p:nvPr/>
         </p:nvSpPr>
         <p:spPr>
           <a:xfrm>
-            <a:off x="4639270" y="6093311"/>
-            <a:ext cx="3846286" cy="307777"/>
+            <a:off x="5799815" y="6017514"/>
+            <a:ext cx="1381852" cy="307777"/>
           </a:xfrm>
           <a:prstGeom prst="rect">
             <a:avLst/>
           </a:prstGeom>
-          <a:noFill/>
         </p:spPr>
         <p:txBody>
-          <a:bodyPr wrap="square" rtlCol="0" anchor="ctr" anchorCtr="1">
+          <a:bodyPr wrap="none">
             <a:spAutoFit/>
           </a:bodyPr>
           <a:lstStyle/>
@@ -3850,150 +3725,6 @@
     <p:extLst>
       <p:ext uri="{BB962C8B-B14F-4D97-AF65-F5344CB8AC3E}">
         <p14:creationId xmlns="" xmlns:p14="http://schemas.microsoft.com/office/powerpoint/2010/main" val="3482473584"/>
-      </p:ext>
-    </p:extLst>
-  </p:cSld>
-  <p:clrMapOvr>
-    <a:masterClrMapping/>
-  </p:clrMapOvr>
-</p:sld>
-</file>
-
-<file path=ppt/slides/slide10.xml><?xml version="1.0" encoding="utf-8"?>
-<p:sld xmlns:a="http://schemas.openxmlformats.org/drawingml/2006/main" xmlns:r="http://schemas.openxmlformats.org/officeDocument/2006/relationships" xmlns:p="http://schemas.openxmlformats.org/presentationml/2006/main">
-  <p:cSld>
-    <p:bg>
-      <p:bgPr>
-        <a:solidFill>
-          <a:schemeClr val="bg1"/>
-        </a:solidFill>
-        <a:effectLst/>
-      </p:bgPr>
-    </p:bg>
-    <p:spTree>
-      <p:nvGrpSpPr>
-        <p:cNvPr id="1" name=""/>
-        <p:cNvGrpSpPr/>
-        <p:nvPr/>
-      </p:nvGrpSpPr>
-      <p:grpSpPr>
-        <a:xfrm>
-          <a:off x="0" y="0"/>
-          <a:ext cx="0" cy="0"/>
-          <a:chOff x="0" y="0"/>
-          <a:chExt cx="0" cy="0"/>
-        </a:xfrm>
-      </p:grpSpPr>
-      <p:sp>
-        <p:nvSpPr>
-          <p:cNvPr id="2" name="TextBox 1"/>
-          <p:cNvSpPr txBox="1"/>
-          <p:nvPr/>
-        </p:nvSpPr>
-        <p:spPr>
-          <a:xfrm>
-            <a:off x="7836692" y="6345239"/>
-            <a:ext cx="469107" cy="369332"/>
-          </a:xfrm>
-          <a:prstGeom prst="rect">
-            <a:avLst/>
-          </a:prstGeom>
-          <a:noFill/>
-        </p:spPr>
-        <p:txBody>
-          <a:bodyPr wrap="square" rtlCol="0">
-            <a:spAutoFit/>
-          </a:bodyPr>
-          <a:lstStyle/>
-          <a:p>
-            <a:pPr algn="ctr"/>
-            <a:r>
-              <a:rPr lang="ru-RU" dirty="0">
-                <a:solidFill>
-                  <a:schemeClr val="bg1"/>
-                </a:solidFill>
-                <a:latin typeface="Elektra Medium Pro" panose="02000803000000020004" pitchFamily="50" charset="-52"/>
-              </a:rPr>
-              <a:t>10</a:t>
-            </a:r>
-          </a:p>
-        </p:txBody>
-      </p:sp>
-      <p:pic>
-        <p:nvPicPr>
-          <p:cNvPr id="4" name="Рисунок 3"/>
-          <p:cNvPicPr>
-            <a:picLocks noChangeAspect="1"/>
-          </p:cNvPicPr>
-          <p:nvPr/>
-        </p:nvPicPr>
-        <p:blipFill>
-          <a:blip r:embed="rId2" cstate="print">
-            <a:extLst>
-              <a:ext uri="{28A0092B-C50C-407E-A947-70E740481C1C}">
-                <a14:useLocalDpi xmlns="" xmlns:a14="http://schemas.microsoft.com/office/drawing/2010/main" val="0"/>
-              </a:ext>
-            </a:extLst>
-          </a:blip>
-          <a:stretch>
-            <a:fillRect/>
-          </a:stretch>
-        </p:blipFill>
-        <p:spPr>
-          <a:xfrm>
-            <a:off x="0" y="0"/>
-            <a:ext cx="9144000" cy="6858000"/>
-          </a:xfrm>
-          <a:prstGeom prst="rect">
-            <a:avLst/>
-          </a:prstGeom>
-        </p:spPr>
-      </p:pic>
-      <p:sp>
-        <p:nvSpPr>
-          <p:cNvPr id="5" name="TextBox 4"/>
-          <p:cNvSpPr txBox="1"/>
-          <p:nvPr/>
-        </p:nvSpPr>
-        <p:spPr>
-          <a:xfrm>
-            <a:off x="4646527" y="2613392"/>
-            <a:ext cx="3831772" cy="830997"/>
-          </a:xfrm>
-          <a:prstGeom prst="rect">
-            <a:avLst/>
-          </a:prstGeom>
-          <a:noFill/>
-        </p:spPr>
-        <p:txBody>
-          <a:bodyPr wrap="square" rtlCol="0" anchor="ctr" anchorCtr="1">
-            <a:spAutoFit/>
-          </a:bodyPr>
-          <a:lstStyle/>
-          <a:p>
-            <a:pPr algn="ctr"/>
-            <a:r>
-              <a:rPr lang="en-US" sz="2400" b="1" dirty="0" smtClean="0">
-                <a:solidFill>
-                  <a:schemeClr val="bg1"/>
-                </a:solidFill>
-                <a:latin typeface="Elektra Text Pro" panose="02000503030000020004" pitchFamily="50" charset="-52"/>
-              </a:rPr>
-              <a:t>DANKE FÜR AUFMERKSAMKEIT</a:t>
-            </a:r>
-            <a:endParaRPr lang="ru-RU" sz="2400" b="1" dirty="0">
-              <a:solidFill>
-                <a:schemeClr val="bg1"/>
-              </a:solidFill>
-              <a:latin typeface="Elektra Text Pro" panose="02000503030000020004" pitchFamily="50" charset="-52"/>
-            </a:endParaRPr>
-          </a:p>
-        </p:txBody>
-      </p:sp>
-    </p:spTree>
-    <p:extLst>
-      <p:ext uri="{BB962C8B-B14F-4D97-AF65-F5344CB8AC3E}">
-        <p14:creationId xmlns="" xmlns:p14="http://schemas.microsoft.com/office/powerpoint/2010/main" val="451246388"/>
       </p:ext>
     </p:extLst>
   </p:cSld>
@@ -4022,99 +3753,6 @@
       </p:grpSpPr>
       <p:sp>
         <p:nvSpPr>
-          <p:cNvPr id="2" name="Заголовок 1"/>
-          <p:cNvSpPr>
-            <a:spLocks noGrp="1"/>
-          </p:cNvSpPr>
-          <p:nvPr>
-            <p:ph type="title"/>
-          </p:nvPr>
-        </p:nvSpPr>
-        <p:spPr>
-          <a:xfrm>
-            <a:off x="989351" y="425087"/>
-            <a:ext cx="7286157" cy="504304"/>
-          </a:xfrm>
-        </p:spPr>
-        <p:txBody>
-          <a:bodyPr>
-            <a:normAutofit fontScale="90000"/>
-          </a:bodyPr>
-          <a:lstStyle/>
-          <a:p>
-            <a:pPr algn="ctr"/>
-            <a:r>
-              <a:rPr lang="ru-RU" sz="1800" dirty="0" smtClean="0">
-                <a:solidFill>
-                  <a:schemeClr val="bg1"/>
-                </a:solidFill>
-                <a:latin typeface="Elektra Text Pro" panose="02000503030000020004" pitchFamily="50" charset="-52"/>
-              </a:rPr>
-              <a:t> </a:t>
-            </a:r>
-            <a:r>
-              <a:rPr lang="en-US" sz="3100" dirty="0" smtClean="0">
-                <a:solidFill>
-                  <a:schemeClr val="bg1"/>
-                </a:solidFill>
-                <a:latin typeface="Elektra Text Pro" panose="02000503030000020004" pitchFamily="50" charset="-52"/>
-              </a:rPr>
-              <a:t>Die </a:t>
-            </a:r>
-            <a:r>
-              <a:rPr lang="en-US" sz="3100" dirty="0" err="1" smtClean="0">
-                <a:solidFill>
-                  <a:schemeClr val="bg1"/>
-                </a:solidFill>
-                <a:latin typeface="Elektra Text Pro" panose="02000503030000020004" pitchFamily="50" charset="-52"/>
-              </a:rPr>
-              <a:t>Aktualit</a:t>
-            </a:r>
-            <a:r>
-              <a:rPr lang="de-DE" sz="3200" dirty="0" smtClean="0">
-                <a:solidFill>
-                  <a:schemeClr val="bg1"/>
-                </a:solidFill>
-                <a:latin typeface="Times New Roman" pitchFamily="18" charset="0"/>
-                <a:cs typeface="Times New Roman" pitchFamily="18" charset="0"/>
-              </a:rPr>
-              <a:t>ä</a:t>
-            </a:r>
-            <a:r>
-              <a:rPr lang="en-US" sz="3100" dirty="0" smtClean="0">
-                <a:solidFill>
-                  <a:schemeClr val="bg1"/>
-                </a:solidFill>
-                <a:latin typeface="Elektra Text Pro" panose="02000503030000020004" pitchFamily="50" charset="-52"/>
-              </a:rPr>
-              <a:t>t</a:t>
-            </a:r>
-            <a:r>
-              <a:rPr lang="ru-RU" sz="3100" dirty="0" smtClean="0">
-                <a:solidFill>
-                  <a:schemeClr val="bg1"/>
-                </a:solidFill>
-                <a:latin typeface="Elektra Text Pro" panose="02000503030000020004" pitchFamily="50" charset="-52"/>
-              </a:rPr>
-              <a:t/>
-            </a:r>
-            <a:br>
-              <a:rPr lang="ru-RU" sz="3100" dirty="0" smtClean="0">
-                <a:solidFill>
-                  <a:schemeClr val="bg1"/>
-                </a:solidFill>
-                <a:latin typeface="Elektra Text Pro" panose="02000503030000020004" pitchFamily="50" charset="-52"/>
-              </a:rPr>
-            </a:br>
-            <a:endParaRPr lang="ru-RU" sz="3100" dirty="0">
-              <a:latin typeface="Times New Roman" pitchFamily="18" charset="0"/>
-              <a:cs typeface="Times New Roman" pitchFamily="18" charset="0"/>
-            </a:endParaRPr>
-          </a:p>
-        </p:txBody>
-      </p:sp>
-      <p:sp>
-        <p:nvSpPr>
           <p:cNvPr id="6" name="Прямоугольник 5"/>
           <p:cNvSpPr/>
           <p:nvPr/>
@@ -4154,9 +3792,133 @@
           </a:p>
         </p:txBody>
       </p:sp>
+      <p:sp>
+        <p:nvSpPr>
+          <p:cNvPr id="27653" name="Rectangle 5"/>
+          <p:cNvSpPr>
+            <a:spLocks noChangeArrowheads="1"/>
+          </p:cNvSpPr>
+          <p:nvPr/>
+        </p:nvSpPr>
+        <p:spPr bwMode="auto">
+          <a:xfrm>
+            <a:off x="584616" y="1704003"/>
+            <a:ext cx="8169640" cy="539378"/>
+          </a:xfrm>
+          <a:prstGeom prst="rect">
+            <a:avLst/>
+          </a:prstGeom>
+          <a:noFill/>
+          <a:ln w="9525">
+            <a:noFill/>
+            <a:miter lim="800000"/>
+            <a:headEnd/>
+            <a:tailEnd/>
+          </a:ln>
+          <a:effectLst/>
+        </p:spPr>
+        <p:txBody>
+          <a:bodyPr vert="horz" wrap="square" lIns="91440" tIns="45720" rIns="91440" bIns="45720" numCol="1" anchor="ctr" anchorCtr="0" compatLnSpc="1">
+            <a:prstTxWarp prst="textNoShape">
+              <a:avLst/>
+            </a:prstTxWarp>
+            <a:spAutoFit/>
+          </a:bodyPr>
+          <a:lstStyle/>
+          <a:p>
+            <a:pPr marL="0" marR="0" lvl="0" indent="469900" algn="just" defTabSz="914400" rtl="0" eaLnBrk="1" fontAlgn="base" latinLnBrk="0" hangingPunct="1">
+              <a:lnSpc>
+                <a:spcPct val="150000"/>
+              </a:lnSpc>
+              <a:spcBef>
+                <a:spcPct val="0"/>
+              </a:spcBef>
+              <a:spcAft>
+                <a:spcPct val="0"/>
+              </a:spcAft>
+              <a:buClrTx/>
+              <a:buSzTx/>
+              <a:buFontTx/>
+              <a:buNone/>
+              <a:tabLst/>
+            </a:pPr>
+            <a:r>
+              <a:rPr lang="ru-RU" sz="2200" dirty="0" smtClean="0">
+                <a:solidFill>
+                  <a:srgbClr val="000000"/>
+                </a:solidFill>
+                <a:latin typeface="Times New Roman" pitchFamily="18" charset="0"/>
+                <a:ea typeface="Times New Roman" pitchFamily="18" charset="0"/>
+                <a:cs typeface="Times New Roman" pitchFamily="18" charset="0"/>
+              </a:rPr>
+              <a:t>	</a:t>
+            </a:r>
+            <a:endParaRPr kumimoji="0" lang="ru-RU" sz="2200" b="0" i="0" u="none" strike="noStrike" cap="none" normalizeH="0" baseline="0" dirty="0" smtClean="0">
+              <a:ln>
+                <a:noFill/>
+              </a:ln>
+              <a:solidFill>
+                <a:srgbClr val="000000"/>
+              </a:solidFill>
+              <a:effectLst/>
+              <a:latin typeface="Times New Roman" pitchFamily="18" charset="0"/>
+              <a:ea typeface="Times New Roman" pitchFamily="18" charset="0"/>
+              <a:cs typeface="Times New Roman" pitchFamily="18" charset="0"/>
+            </a:endParaRPr>
+          </a:p>
+        </p:txBody>
+      </p:sp>
+      <p:sp>
+        <p:nvSpPr>
+          <p:cNvPr id="7" name="Прямоугольник 6">
+            <a:extLst>
+              <a:ext uri="{FF2B5EF4-FFF2-40B4-BE49-F238E27FC236}">
+                <a16:creationId xmlns="" xmlns:a16="http://schemas.microsoft.com/office/drawing/2014/main" id="{A8DB76B5-5163-43DF-9919-453E0121EA89}"/>
+              </a:ext>
+            </a:extLst>
+          </p:cNvPr>
+          <p:cNvSpPr/>
+          <p:nvPr/>
+        </p:nvSpPr>
+        <p:spPr>
+          <a:xfrm>
+            <a:off x="569626" y="2908088"/>
+            <a:ext cx="3342807" cy="539378"/>
+          </a:xfrm>
+          <a:prstGeom prst="rect">
+            <a:avLst/>
+          </a:prstGeom>
+        </p:spPr>
+        <p:txBody>
+          <a:bodyPr wrap="square">
+            <a:spAutoFit/>
+          </a:bodyPr>
+          <a:lstStyle/>
+          <a:p>
+            <a:pPr algn="just">
+              <a:lnSpc>
+                <a:spcPct val="150000"/>
+              </a:lnSpc>
+            </a:pPr>
+            <a:r>
+              <a:rPr lang="ru-RU" sz="2200" dirty="0" smtClean="0">
+                <a:latin typeface="Times New Roman" pitchFamily="18" charset="0"/>
+                <a:ea typeface="Calibri" panose="020F0502020204030204" pitchFamily="34" charset="0"/>
+                <a:cs typeface="Times New Roman" pitchFamily="18" charset="0"/>
+              </a:rPr>
+              <a:t>	</a:t>
+            </a:r>
+            <a:endParaRPr lang="ru-RU" sz="2200" dirty="0">
+              <a:latin typeface="Times New Roman" pitchFamily="18" charset="0"/>
+              <a:ea typeface="Calibri" panose="020F0502020204030204" pitchFamily="34" charset="0"/>
+              <a:cs typeface="Times New Roman" pitchFamily="18" charset="0"/>
+            </a:endParaRPr>
+          </a:p>
+        </p:txBody>
+      </p:sp>
       <p:pic>
         <p:nvPicPr>
-          <p:cNvPr id="15361" name="Picture 1"/>
+          <p:cNvPr id="12290" name="Picture 2" descr="https://sgpress.ru/wp-content/uploads/2022/03/Samarskij-universitet-Permyakov-87-scaled.jpg"/>
           <p:cNvPicPr>
             <a:picLocks noChangeAspect="1" noChangeArrowheads="1"/>
           </p:cNvPicPr>
@@ -4171,19 +3933,13 @@
         </p:blipFill>
         <p:spPr bwMode="auto">
           <a:xfrm>
-            <a:off x="5411449" y="2218543"/>
-            <a:ext cx="3437901" cy="2938073"/>
+            <a:off x="1993691" y="3316054"/>
+            <a:ext cx="5381470" cy="2992179"/>
           </a:xfrm>
           <a:prstGeom prst="rect">
             <a:avLst/>
           </a:prstGeom>
           <a:noFill/>
-          <a:ln w="9525">
-            <a:noFill/>
-            <a:miter lim="800000"/>
-            <a:headEnd/>
-            <a:tailEnd/>
-          </a:ln>
         </p:spPr>
       </p:pic>
       <p:sp>
@@ -4194,8 +3950,8 @@
         </p:nvSpPr>
         <p:spPr>
           <a:xfrm>
-            <a:off x="674558" y="1183506"/>
-            <a:ext cx="7944786" cy="1047210"/>
+            <a:off x="584615" y="782998"/>
+            <a:ext cx="8109679" cy="2631490"/>
           </a:xfrm>
           <a:prstGeom prst="rect">
             <a:avLst/>
@@ -4207,60 +3963,6 @@
           </a:bodyPr>
           <a:lstStyle/>
           <a:p>
-            <a:pPr algn="ctr">
-              <a:lnSpc>
-                <a:spcPct val="150000"/>
-              </a:lnSpc>
-            </a:pPr>
-            <a:r>
-              <a:rPr lang="de-DE" sz="2200" dirty="0" smtClean="0">
-                <a:latin typeface="Times New Roman" pitchFamily="18" charset="0"/>
-                <a:cs typeface="Times New Roman" pitchFamily="18" charset="0"/>
-              </a:rPr>
-              <a:t>Die </a:t>
-            </a:r>
-            <a:r>
-              <a:rPr lang="de-DE" sz="2200" dirty="0" err="1" smtClean="0">
-                <a:latin typeface="Times New Roman" pitchFamily="18" charset="0"/>
-                <a:cs typeface="Times New Roman" pitchFamily="18" charset="0"/>
-              </a:rPr>
-              <a:t>Informatisierung</a:t>
-            </a:r>
-            <a:r>
-              <a:rPr lang="de-DE" sz="2200" dirty="0" smtClean="0">
-                <a:latin typeface="Times New Roman" pitchFamily="18" charset="0"/>
-                <a:cs typeface="Times New Roman" pitchFamily="18" charset="0"/>
-              </a:rPr>
-              <a:t> wird in der konstruktionstechnologischen Vorbereitung der Produktion benötigt.</a:t>
-            </a:r>
-            <a:endParaRPr lang="ru-RU" sz="2200" dirty="0">
-              <a:latin typeface="Times New Roman" pitchFamily="18" charset="0"/>
-              <a:cs typeface="Times New Roman" pitchFamily="18" charset="0"/>
-            </a:endParaRPr>
-          </a:p>
-        </p:txBody>
-      </p:sp>
-      <p:sp>
-        <p:nvSpPr>
-          <p:cNvPr id="9" name="Прямоугольник 8"/>
-          <p:cNvSpPr/>
-          <p:nvPr/>
-        </p:nvSpPr>
-        <p:spPr>
-          <a:xfrm>
-            <a:off x="936885" y="2693924"/>
-            <a:ext cx="4572000" cy="2123658"/>
-          </a:xfrm>
-          <a:prstGeom prst="rect">
-            <a:avLst/>
-          </a:prstGeom>
-        </p:spPr>
-        <p:txBody>
-          <a:bodyPr>
-            <a:spAutoFit/>
-          </a:bodyPr>
-          <a:lstStyle/>
-          <a:p>
             <a:pPr algn="just">
               <a:lnSpc>
                 <a:spcPct val="150000"/>
@@ -4271,57 +3973,70 @@
                 <a:latin typeface="Times New Roman" pitchFamily="18" charset="0"/>
                 <a:cs typeface="Times New Roman" pitchFamily="18" charset="0"/>
               </a:rPr>
-              <a:t>Das gewählte Thema ist aktuell, weil. beschleunigt den Arbeitsablauf</a:t>
-            </a:r>
-            <a:r>
-              <a:rPr lang="ru-RU" sz="2200" dirty="0" smtClean="0">
-                <a:latin typeface="Times New Roman" pitchFamily="18" charset="0"/>
-                <a:cs typeface="Times New Roman" pitchFamily="18" charset="0"/>
-              </a:rPr>
-              <a:t> </a:t>
+              <a:t>	Mein </a:t>
             </a:r>
             <a:r>
               <a:rPr lang="de-DE" sz="2200" dirty="0" smtClean="0">
                 <a:latin typeface="Times New Roman" pitchFamily="18" charset="0"/>
                 <a:cs typeface="Times New Roman" pitchFamily="18" charset="0"/>
               </a:rPr>
-              <a:t>in Maschinenbauunternehmen oder an Forschungsuniversitäten.</a:t>
-            </a:r>
-            <a:endParaRPr lang="ru-RU" sz="2200" dirty="0">
-              <a:latin typeface="Times New Roman" pitchFamily="18" charset="0"/>
-              <a:cs typeface="Times New Roman" pitchFamily="18" charset="0"/>
-            </a:endParaRPr>
-          </a:p>
-        </p:txBody>
-      </p:sp>
-      <p:sp>
-        <p:nvSpPr>
-          <p:cNvPr id="12" name="Прямоугольник 11"/>
-          <p:cNvSpPr/>
-          <p:nvPr/>
-        </p:nvSpPr>
-        <p:spPr>
-          <a:xfrm>
-            <a:off x="1139253" y="5579211"/>
-            <a:ext cx="7180287" cy="430887"/>
-          </a:xfrm>
-          <a:prstGeom prst="rect">
-            <a:avLst/>
-          </a:prstGeom>
-        </p:spPr>
-        <p:txBody>
-          <a:bodyPr wrap="square">
-            <a:spAutoFit/>
-          </a:bodyPr>
-          <a:lstStyle/>
-          <a:p>
-            <a:pPr algn="ctr"/>
+              <a:t>Name ist </a:t>
+            </a:r>
+            <a:r>
+              <a:rPr lang="de-DE" sz="2200" dirty="0" err="1" smtClean="0">
+                <a:latin typeface="Times New Roman" pitchFamily="18" charset="0"/>
+                <a:cs typeface="Times New Roman" pitchFamily="18" charset="0"/>
+              </a:rPr>
+              <a:t>Klimova</a:t>
+            </a:r>
             <a:r>
               <a:rPr lang="de-DE" sz="2200" dirty="0" smtClean="0">
                 <a:latin typeface="Times New Roman" pitchFamily="18" charset="0"/>
                 <a:cs typeface="Times New Roman" pitchFamily="18" charset="0"/>
               </a:rPr>
-              <a:t>Abbildung 1 - Die akribische Arbeit eines Technologen.</a:t>
+              <a:t> Tatjana</a:t>
+            </a:r>
+            <a:r>
+              <a:rPr lang="de-DE" sz="2200" dirty="0" smtClean="0">
+                <a:latin typeface="Times New Roman" pitchFamily="18" charset="0"/>
+                <a:cs typeface="Times New Roman" pitchFamily="18" charset="0"/>
+              </a:rPr>
+              <a:t>. Ich </a:t>
+            </a:r>
+            <a:r>
+              <a:rPr lang="de-DE" sz="2200" dirty="0" smtClean="0">
+                <a:latin typeface="Times New Roman" pitchFamily="18" charset="0"/>
+                <a:cs typeface="Times New Roman" pitchFamily="18" charset="0"/>
+              </a:rPr>
+              <a:t>lebe in der Stadt Samara.  Ich habe meinen Magistratsabschluss an der Universität Samara gemacht und bin jetzt Doktorand an derselben Universität</a:t>
+            </a:r>
+            <a:r>
+              <a:rPr lang="de-DE" sz="2200" dirty="0" smtClean="0">
+                <a:latin typeface="Times New Roman" pitchFamily="18" charset="0"/>
+                <a:cs typeface="Times New Roman" pitchFamily="18" charset="0"/>
+              </a:rPr>
+              <a:t>.</a:t>
+            </a:r>
+          </a:p>
+          <a:p>
+            <a:pPr algn="just">
+              <a:lnSpc>
+                <a:spcPct val="150000"/>
+              </a:lnSpc>
+            </a:pPr>
+            <a:r>
+              <a:rPr lang="de-DE" sz="2200" dirty="0" smtClean="0">
+                <a:latin typeface="Times New Roman" pitchFamily="18" charset="0"/>
+                <a:cs typeface="Times New Roman" pitchFamily="18" charset="0"/>
+              </a:rPr>
+              <a:t>	 Ich </a:t>
+            </a:r>
+            <a:r>
+              <a:rPr lang="de-DE" sz="2200" dirty="0" smtClean="0">
+                <a:latin typeface="Times New Roman" pitchFamily="18" charset="0"/>
+                <a:cs typeface="Times New Roman" pitchFamily="18" charset="0"/>
+              </a:rPr>
+              <a:t>arbeite als Konstrukteur in einem Maschinenbauunternehmen.</a:t>
             </a:r>
             <a:endParaRPr lang="ru-RU" sz="2200" dirty="0">
               <a:latin typeface="Times New Roman" pitchFamily="18" charset="0"/>
@@ -4364,71 +4079,6 @@
       </p:grpSpPr>
       <p:sp>
         <p:nvSpPr>
-          <p:cNvPr id="2" name="Заголовок 1"/>
-          <p:cNvSpPr>
-            <a:spLocks noGrp="1"/>
-          </p:cNvSpPr>
-          <p:nvPr>
-            <p:ph type="title"/>
-          </p:nvPr>
-        </p:nvSpPr>
-        <p:spPr>
-          <a:xfrm>
-            <a:off x="989351" y="464695"/>
-            <a:ext cx="7286157" cy="464696"/>
-          </a:xfrm>
-        </p:spPr>
-        <p:txBody>
-          <a:bodyPr>
-            <a:normAutofit fontScale="90000"/>
-          </a:bodyPr>
-          <a:lstStyle/>
-          <a:p>
-            <a:pPr algn="ctr"/>
-            <a:r>
-              <a:rPr lang="ru-RU" sz="1800" dirty="0" smtClean="0">
-                <a:solidFill>
-                  <a:schemeClr val="bg1"/>
-                </a:solidFill>
-                <a:latin typeface="Elektra Text Pro" panose="02000503030000020004" pitchFamily="50" charset="-52"/>
-              </a:rPr>
-              <a:t> </a:t>
-            </a:r>
-            <a:r>
-              <a:rPr lang="en-US" sz="3100" dirty="0" smtClean="0">
-                <a:solidFill>
-                  <a:schemeClr val="bg1"/>
-                </a:solidFill>
-                <a:latin typeface="Elektra Text Pro" panose="02000503030000020004" pitchFamily="50" charset="-52"/>
-              </a:rPr>
-              <a:t>Problem</a:t>
-            </a:r>
-            <a:r>
-              <a:rPr lang="ru-RU" sz="3100" dirty="0" smtClean="0">
-                <a:solidFill>
-                  <a:schemeClr val="bg1"/>
-                </a:solidFill>
-                <a:latin typeface="Elektra Text Pro" panose="02000503030000020004" pitchFamily="50" charset="-52"/>
-              </a:rPr>
-              <a:t/>
-            </a:r>
-            <a:br>
-              <a:rPr lang="ru-RU" sz="3100" dirty="0" smtClean="0">
-                <a:solidFill>
-                  <a:schemeClr val="bg1"/>
-                </a:solidFill>
-                <a:latin typeface="Elektra Text Pro" panose="02000503030000020004" pitchFamily="50" charset="-52"/>
-              </a:rPr>
-            </a:br>
-            <a:endParaRPr lang="ru-RU" sz="3100" dirty="0">
-              <a:latin typeface="Times New Roman" pitchFamily="18" charset="0"/>
-              <a:cs typeface="Times New Roman" pitchFamily="18" charset="0"/>
-            </a:endParaRPr>
-          </a:p>
-        </p:txBody>
-      </p:sp>
-      <p:sp>
-        <p:nvSpPr>
           <p:cNvPr id="6" name="Прямоугольник 5"/>
           <p:cNvSpPr/>
           <p:nvPr/>
@@ -4478,8 +4128,8 @@
         </p:nvSpPr>
         <p:spPr bwMode="auto">
           <a:xfrm>
-            <a:off x="539646" y="2048777"/>
-            <a:ext cx="8169640" cy="539378"/>
+            <a:off x="734518" y="1314259"/>
+            <a:ext cx="7869836" cy="539378"/>
           </a:xfrm>
           <a:prstGeom prst="rect">
             <a:avLst/>
@@ -4527,7 +4177,7 @@
                 <a:ea typeface="Times New Roman" pitchFamily="18" charset="0"/>
                 <a:cs typeface="Times New Roman" pitchFamily="18" charset="0"/>
               </a:rPr>
-              <a:t> </a:t>
+              <a:t>	</a:t>
             </a:r>
             <a:endParaRPr kumimoji="0" lang="ru-RU" sz="2200" b="0" i="0" u="none" strike="noStrike" cap="none" normalizeH="0" baseline="0" dirty="0" smtClean="0">
               <a:ln>
@@ -4544,16 +4194,42 @@
           </a:p>
         </p:txBody>
       </p:sp>
-      <p:sp>
-        <p:nvSpPr>
-          <p:cNvPr id="7" name="Прямоугольник 6"/>
+      <p:pic>
+        <p:nvPicPr>
+          <p:cNvPr id="27650" name="Picture 2" descr="https://klike.net/uploads/posts/2022-09/1662526282_s-37.jpg"/>
+          <p:cNvPicPr>
+            <a:picLocks noChangeAspect="1" noChangeArrowheads="1"/>
+          </p:cNvPicPr>
+          <p:nvPr/>
+        </p:nvPicPr>
+        <p:blipFill>
+          <a:blip r:embed="rId2" cstate="print"/>
+          <a:srcRect/>
+          <a:stretch>
+            <a:fillRect/>
+          </a:stretch>
+        </p:blipFill>
+        <p:spPr bwMode="auto">
+          <a:xfrm>
+            <a:off x="2106381" y="2398426"/>
+            <a:ext cx="5715643" cy="3462728"/>
+          </a:xfrm>
+          <a:prstGeom prst="rect">
+            <a:avLst/>
+          </a:prstGeom>
+          <a:noFill/>
+        </p:spPr>
+      </p:pic>
+      <p:sp>
+        <p:nvSpPr>
+          <p:cNvPr id="5" name="Прямоугольник 4"/>
           <p:cNvSpPr/>
           <p:nvPr/>
         </p:nvSpPr>
         <p:spPr>
           <a:xfrm>
-            <a:off x="689547" y="1079214"/>
-            <a:ext cx="7644984" cy="2631490"/>
+            <a:off x="569627" y="1063585"/>
+            <a:ext cx="8094688" cy="1107996"/>
           </a:xfrm>
           <a:prstGeom prst="rect">
             <a:avLst/>
@@ -4565,7 +4241,7 @@
           </a:bodyPr>
           <a:lstStyle/>
           <a:p>
-            <a:pPr algn="just">
+            <a:pPr>
               <a:lnSpc>
                 <a:spcPct val="150000"/>
               </a:lnSpc>
@@ -4575,47 +4251,42 @@
                 <a:latin typeface="Times New Roman" pitchFamily="18" charset="0"/>
                 <a:cs typeface="Times New Roman" pitchFamily="18" charset="0"/>
               </a:rPr>
-              <a:t>	Das Problem für Technologen in Unternehmen besteht darin, eine große Menge an Dokumentation (Zeichnungen, technologische Prozesse, Dokumente für das ausgegebene Material, in welchem ​​​​Lager und in welcher Menge die fertigen Teile gelagert werden) zu speichern und zu kombinieren.</a:t>
-            </a:r>
-            <a:endParaRPr lang="ru-RU" sz="2200" dirty="0">
-              <a:latin typeface="Times New Roman" pitchFamily="18" charset="0"/>
-              <a:cs typeface="Times New Roman" pitchFamily="18" charset="0"/>
-            </a:endParaRPr>
-          </a:p>
-        </p:txBody>
-      </p:sp>
-      <p:sp>
-        <p:nvSpPr>
-          <p:cNvPr id="8" name="Прямоугольник 7"/>
-          <p:cNvSpPr/>
-          <p:nvPr/>
-        </p:nvSpPr>
-        <p:spPr>
-          <a:xfrm>
-            <a:off x="779489" y="3821774"/>
-            <a:ext cx="7435121" cy="1615827"/>
-          </a:xfrm>
-          <a:prstGeom prst="rect">
-            <a:avLst/>
-          </a:prstGeom>
-        </p:spPr>
-        <p:txBody>
-          <a:bodyPr wrap="square">
-            <a:spAutoFit/>
-          </a:bodyPr>
-          <a:lstStyle/>
-          <a:p>
-            <a:pPr algn="just">
-              <a:lnSpc>
-                <a:spcPct val="150000"/>
-              </a:lnSpc>
-            </a:pPr>
+              <a:t>	</a:t>
+            </a:r>
             <a:r>
               <a:rPr lang="de-DE" sz="2200" dirty="0" smtClean="0">
                 <a:latin typeface="Times New Roman" pitchFamily="18" charset="0"/>
                 <a:cs typeface="Times New Roman" pitchFamily="18" charset="0"/>
               </a:rPr>
-              <a:t>	Ein Softwareingenieur hilft bei der Lösung des Problems mit Hilfe des visuellen Modellierungsprogramms Rational Rose.</a:t>
+              <a:t>Ich </a:t>
+            </a:r>
+            <a:r>
+              <a:rPr lang="de-DE" sz="2200" dirty="0" smtClean="0">
+                <a:latin typeface="Times New Roman" pitchFamily="18" charset="0"/>
+                <a:cs typeface="Times New Roman" pitchFamily="18" charset="0"/>
+              </a:rPr>
+              <a:t>bin wissenschaftlich im Bereich Informationstechnologie </a:t>
+            </a:r>
+            <a:r>
+              <a:rPr lang="de-DE" sz="2200" dirty="0" smtClean="0">
+                <a:latin typeface="Times New Roman" pitchFamily="18" charset="0"/>
+                <a:cs typeface="Times New Roman" pitchFamily="18" charset="0"/>
+              </a:rPr>
+              <a:t>tätig</a:t>
+            </a:r>
+            <a:r>
+              <a:rPr lang="ru-RU" sz="2200" dirty="0" smtClean="0">
+                <a:latin typeface="Times New Roman" pitchFamily="18" charset="0"/>
+                <a:cs typeface="Times New Roman" pitchFamily="18" charset="0"/>
+              </a:rPr>
+              <a:t>. </a:t>
+            </a:r>
+            <a:r>
+              <a:rPr lang="de-DE" sz="2200" dirty="0" smtClean="0">
+                <a:latin typeface="Times New Roman" pitchFamily="18" charset="0"/>
+                <a:cs typeface="Times New Roman" pitchFamily="18" charset="0"/>
+              </a:rPr>
+              <a:t>Dies ist ein großes Gebiet für die Forschung.</a:t>
             </a:r>
             <a:endParaRPr lang="ru-RU" sz="2200" dirty="0">
               <a:latin typeface="Times New Roman" pitchFamily="18" charset="0"/>
@@ -4658,29 +4329,28 @@
       </p:grpSpPr>
       <p:sp>
         <p:nvSpPr>
-          <p:cNvPr id="4" name="TextBox 3"/>
-          <p:cNvSpPr txBox="1"/>
+          <p:cNvPr id="6" name="Прямоугольник 5"/>
+          <p:cNvSpPr/>
           <p:nvPr/>
         </p:nvSpPr>
         <p:spPr>
           <a:xfrm>
-            <a:off x="8332465" y="5600528"/>
-            <a:ext cx="351830" cy="300082"/>
+            <a:off x="8133107" y="6302328"/>
+            <a:ext cx="312906" cy="369332"/>
           </a:xfrm>
           <a:prstGeom prst="rect">
             <a:avLst/>
           </a:prstGeom>
-          <a:noFill/>
         </p:spPr>
         <p:txBody>
-          <a:bodyPr wrap="square" rtlCol="0">
+          <a:bodyPr wrap="none">
             <a:spAutoFit/>
           </a:bodyPr>
           <a:lstStyle/>
           <a:p>
             <a:pPr algn="ctr"/>
-            <a:fld id="{4CB11690-5800-4A0D-8C28-71894E2CF362}" type="slidenum">
-              <a:rPr lang="ru-RU" sz="1350">
+            <a:fld id="{9E79BFED-6ECD-4563-B483-CEA192FFFCCF}" type="slidenum">
+              <a:rPr lang="ru-RU" smtClean="0">
                 <a:solidFill>
                   <a:schemeClr val="bg1"/>
                 </a:solidFill>
@@ -4689,7 +4359,7 @@
               <a:pPr algn="ctr"/>
               <a:t>4</a:t>
             </a:fld>
-            <a:endParaRPr lang="ru-RU" sz="1350" dirty="0">
+            <a:endParaRPr lang="ru-RU" dirty="0">
               <a:solidFill>
                 <a:schemeClr val="bg1"/>
               </a:solidFill>
@@ -4698,156 +4368,25 @@
           </a:p>
         </p:txBody>
       </p:sp>
-      <p:sp>
-        <p:nvSpPr>
-          <p:cNvPr id="11" name="Rectangle 5">
-            <a:extLst>
-              <a:ext uri="{FF2B5EF4-FFF2-40B4-BE49-F238E27FC236}">
-                <a16:creationId xmlns="" xmlns:a16="http://schemas.microsoft.com/office/drawing/2014/main" id="{1DA406F1-1987-4F5A-B59D-7A91B35A378F}"/>
-              </a:ext>
-            </a:extLst>
-          </p:cNvPr>
-          <p:cNvSpPr>
-            <a:spLocks noChangeArrowheads="1"/>
-          </p:cNvSpPr>
+      <p:pic>
+        <p:nvPicPr>
+          <p:cNvPr id="15361" name="Picture 1"/>
+          <p:cNvPicPr>
+            <a:picLocks noChangeAspect="1" noChangeArrowheads="1"/>
+          </p:cNvPicPr>
           <p:nvPr/>
-        </p:nvSpPr>
+        </p:nvPicPr>
+        <p:blipFill>
+          <a:blip r:embed="rId2" cstate="print"/>
+          <a:srcRect/>
+          <a:stretch>
+            <a:fillRect/>
+          </a:stretch>
+        </p:blipFill>
         <p:spPr bwMode="auto">
           <a:xfrm>
-            <a:off x="1975105" y="1013424"/>
-            <a:ext cx="138564" cy="276999"/>
-          </a:xfrm>
-          <a:prstGeom prst="rect">
-            <a:avLst/>
-          </a:prstGeom>
-          <a:noFill/>
-          <a:ln>
-            <a:noFill/>
-          </a:ln>
-          <a:effectLst/>
-          <a:extLst>
-            <a:ext uri="{909E8E84-426E-40DD-AFC4-6F175D3DCCD1}">
-              <a14:hiddenFill xmlns="" xmlns:a14="http://schemas.microsoft.com/office/drawing/2010/main">
-                <a:solidFill>
-                  <a:schemeClr val="accent1"/>
-                </a:solidFill>
-              </a14:hiddenFill>
-            </a:ext>
-            <a:ext uri="{91240B29-F687-4F45-9708-019B960494DF}">
-              <a14:hiddenLine xmlns="" xmlns:a14="http://schemas.microsoft.com/office/drawing/2010/main" w="9525">
-                <a:solidFill>
-                  <a:schemeClr val="tx1"/>
-                </a:solidFill>
-                <a:miter lim="800000"/>
-                <a:headEnd/>
-                <a:tailEnd/>
-              </a14:hiddenLine>
-            </a:ext>
-            <a:ext uri="{AF507438-7753-43E0-B8FC-AC1667EBCBE1}">
-              <a14:hiddenEffects xmlns="" xmlns:a14="http://schemas.microsoft.com/office/drawing/2010/main">
-                <a:effectLst>
-                  <a:outerShdw dist="35921" dir="2700000" algn="ctr" rotWithShape="0">
-                    <a:schemeClr val="bg2"/>
-                  </a:outerShdw>
-                </a:effectLst>
-              </a14:hiddenEffects>
-            </a:ext>
-          </a:extLst>
-        </p:spPr>
-        <p:txBody>
-          <a:bodyPr vert="horz" wrap="none" lIns="68580" tIns="34290" rIns="68580" bIns="34290" numCol="1" anchor="ctr" anchorCtr="0" compatLnSpc="1">
-            <a:prstTxWarp prst="textNoShape">
-              <a:avLst/>
-            </a:prstTxWarp>
-            <a:spAutoFit/>
-          </a:bodyPr>
-          <a:lstStyle/>
-          <a:p>
-            <a:endParaRPr lang="ru-RU" sz="1350"/>
-          </a:p>
-        </p:txBody>
-      </p:sp>
-      <p:sp>
-        <p:nvSpPr>
-          <p:cNvPr id="2" name="Rectangle 2">
-            <a:extLst>
-              <a:ext uri="{FF2B5EF4-FFF2-40B4-BE49-F238E27FC236}">
-                <a16:creationId xmlns="" xmlns:a16="http://schemas.microsoft.com/office/drawing/2014/main" id="{050AE750-3D62-484F-BE3C-FD4619753DE3}"/>
-              </a:ext>
-            </a:extLst>
-          </p:cNvPr>
-          <p:cNvSpPr>
-            <a:spLocks noChangeArrowheads="1"/>
-          </p:cNvSpPr>
-          <p:nvPr/>
-        </p:nvSpPr>
-        <p:spPr bwMode="auto">
-          <a:xfrm>
-            <a:off x="1" y="890201"/>
-            <a:ext cx="138564" cy="276999"/>
-          </a:xfrm>
-          <a:prstGeom prst="rect">
-            <a:avLst/>
-          </a:prstGeom>
-          <a:noFill/>
-          <a:ln>
-            <a:noFill/>
-          </a:ln>
-          <a:effectLst/>
-          <a:extLst>
-            <a:ext uri="{909E8E84-426E-40DD-AFC4-6F175D3DCCD1}">
-              <a14:hiddenFill xmlns="" xmlns:a14="http://schemas.microsoft.com/office/drawing/2010/main">
-                <a:solidFill>
-                  <a:schemeClr val="accent1"/>
-                </a:solidFill>
-              </a14:hiddenFill>
-            </a:ext>
-            <a:ext uri="{91240B29-F687-4F45-9708-019B960494DF}">
-              <a14:hiddenLine xmlns="" xmlns:a14="http://schemas.microsoft.com/office/drawing/2010/main" w="9525">
-                <a:solidFill>
-                  <a:schemeClr val="tx1"/>
-                </a:solidFill>
-                <a:miter lim="800000"/>
-                <a:headEnd/>
-                <a:tailEnd/>
-              </a14:hiddenLine>
-            </a:ext>
-            <a:ext uri="{AF507438-7753-43E0-B8FC-AC1667EBCBE1}">
-              <a14:hiddenEffects xmlns="" xmlns:a14="http://schemas.microsoft.com/office/drawing/2010/main">
-                <a:effectLst>
-                  <a:outerShdw dist="35921" dir="2700000" algn="ctr" rotWithShape="0">
-                    <a:schemeClr val="bg2"/>
-                  </a:outerShdw>
-                </a:effectLst>
-              </a14:hiddenEffects>
-            </a:ext>
-          </a:extLst>
-        </p:spPr>
-        <p:txBody>
-          <a:bodyPr vert="horz" wrap="none" lIns="68580" tIns="34290" rIns="68580" bIns="34290" numCol="1" anchor="ctr" anchorCtr="0" compatLnSpc="1">
-            <a:prstTxWarp prst="textNoShape">
-              <a:avLst/>
-            </a:prstTxWarp>
-            <a:spAutoFit/>
-          </a:bodyPr>
-          <a:lstStyle/>
-          <a:p>
-            <a:endParaRPr lang="ru-RU" sz="1350"/>
-          </a:p>
-        </p:txBody>
-      </p:sp>
-      <p:sp>
-        <p:nvSpPr>
-          <p:cNvPr id="1029" name="Rectangle 5"/>
-          <p:cNvSpPr>
-            <a:spLocks noChangeArrowheads="1"/>
-          </p:cNvSpPr>
-          <p:nvPr/>
-        </p:nvSpPr>
-        <p:spPr bwMode="auto">
-          <a:xfrm>
-            <a:off x="0" y="0"/>
-            <a:ext cx="9144000" cy="0"/>
+            <a:off x="5741232" y="1484027"/>
+            <a:ext cx="3138098" cy="3462727"/>
           </a:xfrm>
           <a:prstGeom prst="rect">
             <a:avLst/>
@@ -4859,242 +4398,167 @@
             <a:headEnd/>
             <a:tailEnd/>
           </a:ln>
-          <a:effectLst/>
         </p:spPr>
-        <p:txBody>
-          <a:bodyPr vert="horz" wrap="none" lIns="91440" tIns="45720" rIns="91440" bIns="45720" numCol="1" anchor="ctr" anchorCtr="0" compatLnSpc="1">
-            <a:prstTxWarp prst="textNoShape">
-              <a:avLst/>
-            </a:prstTxWarp>
-            <a:spAutoFit/>
-          </a:bodyPr>
-          <a:lstStyle/>
-          <a:p>
-            <a:endParaRPr lang="ru-RU"/>
-          </a:p>
-        </p:txBody>
-      </p:sp>
-      <p:sp>
-        <p:nvSpPr>
-          <p:cNvPr id="15" name="TextBox 14"/>
-          <p:cNvSpPr txBox="1"/>
+      </p:pic>
+      <p:sp>
+        <p:nvSpPr>
+          <p:cNvPr id="5" name="Прямоугольник 4"/>
+          <p:cNvSpPr/>
           <p:nvPr/>
         </p:nvSpPr>
         <p:spPr>
           <a:xfrm>
-            <a:off x="1139252" y="247673"/>
-            <a:ext cx="7611120" cy="800219"/>
-          </a:xfrm>
-          <a:prstGeom prst="rect">
-            <a:avLst/>
-          </a:prstGeom>
-          <a:noFill/>
-        </p:spPr>
-        <p:txBody>
-          <a:bodyPr wrap="square" rtlCol="0" anchor="ctr" anchorCtr="1">
-            <a:spAutoFit/>
-          </a:bodyPr>
-          <a:lstStyle/>
-          <a:p>
-            <a:pPr algn="ctr"/>
-            <a:r>
-              <a:rPr lang="en-US" sz="2800" dirty="0" smtClean="0">
-                <a:solidFill>
-                  <a:schemeClr val="bg1"/>
-                </a:solidFill>
-                <a:latin typeface="Elektra Text Pro"/>
-                <a:cs typeface="Times New Roman" pitchFamily="18" charset="0"/>
-              </a:rPr>
-              <a:t> </a:t>
-            </a:r>
-            <a:r>
-              <a:rPr lang="en-US" sz="2800" dirty="0" err="1" smtClean="0">
-                <a:solidFill>
-                  <a:schemeClr val="bg1"/>
-                </a:solidFill>
-                <a:latin typeface="Elektra Text Pro"/>
-                <a:cs typeface="Times New Roman" pitchFamily="18" charset="0"/>
-              </a:rPr>
-              <a:t>Erwartete</a:t>
-            </a:r>
-            <a:r>
-              <a:rPr lang="en-US" sz="2800" dirty="0" smtClean="0">
-                <a:solidFill>
-                  <a:schemeClr val="bg1"/>
-                </a:solidFill>
-                <a:latin typeface="Elektra Text Pro"/>
-                <a:cs typeface="Times New Roman" pitchFamily="18" charset="0"/>
-              </a:rPr>
-              <a:t> </a:t>
-            </a:r>
-            <a:r>
-              <a:rPr lang="en-US" sz="2800" dirty="0" err="1" smtClean="0">
-                <a:solidFill>
-                  <a:schemeClr val="bg1"/>
-                </a:solidFill>
-                <a:latin typeface="Elektra Text Pro"/>
-                <a:cs typeface="Times New Roman" pitchFamily="18" charset="0"/>
-              </a:rPr>
-              <a:t>praktische</a:t>
-            </a:r>
-            <a:r>
-              <a:rPr lang="en-US" sz="2800" dirty="0" smtClean="0">
-                <a:solidFill>
-                  <a:schemeClr val="bg1"/>
-                </a:solidFill>
-                <a:latin typeface="Elektra Text Pro"/>
-                <a:cs typeface="Times New Roman" pitchFamily="18" charset="0"/>
-              </a:rPr>
-              <a:t> </a:t>
-            </a:r>
-            <a:r>
-              <a:rPr lang="en-US" sz="2800" dirty="0" err="1" smtClean="0">
-                <a:solidFill>
-                  <a:schemeClr val="bg1"/>
-                </a:solidFill>
-                <a:latin typeface="Elektra Text Pro"/>
-                <a:cs typeface="Times New Roman" pitchFamily="18" charset="0"/>
-              </a:rPr>
-              <a:t>Ergebnisse</a:t>
-            </a:r>
-            <a:r>
-              <a:rPr lang="ru-RU" sz="2800" dirty="0" smtClean="0">
-                <a:solidFill>
-                  <a:schemeClr val="bg1"/>
-                </a:solidFill>
-                <a:latin typeface="Elektra Text Pro"/>
-                <a:cs typeface="Times New Roman" pitchFamily="18" charset="0"/>
-              </a:rPr>
-              <a:t> </a:t>
-            </a:r>
-            <a:endParaRPr lang="ru-RU" sz="2800" dirty="0">
-              <a:solidFill>
-                <a:schemeClr val="bg1"/>
-              </a:solidFill>
-              <a:latin typeface="Elektra Text Pro"/>
-              <a:cs typeface="Times New Roman" pitchFamily="18" charset="0"/>
-            </a:endParaRPr>
-          </a:p>
-          <a:p>
-            <a:pPr algn="ctr"/>
-            <a:endParaRPr lang="ru-RU" dirty="0">
-              <a:solidFill>
-                <a:schemeClr val="bg1"/>
-              </a:solidFill>
-              <a:latin typeface="Elektra Text Pro" panose="02000503030000020004" pitchFamily="50" charset="-52"/>
-            </a:endParaRPr>
-          </a:p>
-        </p:txBody>
-      </p:sp>
-      <p:sp>
-        <p:nvSpPr>
-          <p:cNvPr id="20" name="Прямоугольник 19"/>
-          <p:cNvSpPr/>
-          <p:nvPr/>
-        </p:nvSpPr>
-        <p:spPr>
-          <a:xfrm>
-            <a:off x="8133108" y="6257357"/>
-            <a:ext cx="312906" cy="369332"/>
+            <a:off x="689549" y="1105605"/>
+            <a:ext cx="5426438" cy="4662815"/>
           </a:xfrm>
           <a:prstGeom prst="rect">
             <a:avLst/>
           </a:prstGeom>
         </p:spPr>
         <p:txBody>
-          <a:bodyPr wrap="none">
-            <a:spAutoFit/>
-          </a:bodyPr>
-          <a:lstStyle/>
-          <a:p>
-            <a:pPr algn="ctr"/>
-            <a:fld id="{4CB11690-5800-4A0D-8C28-71894E2CF362}" type="slidenum">
-              <a:rPr lang="ru-RU" smtClean="0">
-                <a:solidFill>
-                  <a:schemeClr val="bg1"/>
-                </a:solidFill>
-                <a:latin typeface="Elektra Medium Pro" panose="02000803000000020004" pitchFamily="50" charset="-52"/>
-              </a:rPr>
-              <a:pPr algn="ctr"/>
-              <a:t>4</a:t>
-            </a:fld>
-            <a:endParaRPr lang="ru-RU" dirty="0">
-              <a:solidFill>
-                <a:schemeClr val="bg1"/>
-              </a:solidFill>
-              <a:latin typeface="Elektra Medium Pro" panose="02000803000000020004" pitchFamily="50" charset="-52"/>
-            </a:endParaRPr>
-          </a:p>
-        </p:txBody>
-      </p:sp>
-      <p:sp>
-        <p:nvSpPr>
-          <p:cNvPr id="19" name="Прямоугольник 18"/>
-          <p:cNvSpPr/>
-          <p:nvPr/>
-        </p:nvSpPr>
-        <p:spPr>
-          <a:xfrm>
-            <a:off x="884419" y="1456916"/>
-            <a:ext cx="7719935" cy="461665"/>
-          </a:xfrm>
-          <a:prstGeom prst="rect">
-            <a:avLst/>
-          </a:prstGeom>
-        </p:spPr>
-        <p:txBody>
           <a:bodyPr wrap="square">
             <a:spAutoFit/>
           </a:bodyPr>
           <a:lstStyle/>
           <a:p>
-            <a:pPr algn="just"/>
-            <a:r>
-              <a:rPr lang="ru-RU" sz="2400" dirty="0" smtClean="0">
-                <a:latin typeface="Times New Roman" pitchFamily="18" charset="0"/>
-                <a:cs typeface="Times New Roman" pitchFamily="18" charset="0"/>
-              </a:rPr>
-              <a:t> </a:t>
-            </a:r>
-            <a:endParaRPr lang="ru-RU" sz="2400" dirty="0">
-              <a:latin typeface="Times New Roman" pitchFamily="18" charset="0"/>
-              <a:cs typeface="Times New Roman" pitchFamily="18" charset="0"/>
-            </a:endParaRPr>
-          </a:p>
-        </p:txBody>
-      </p:sp>
-      <p:sp>
-        <p:nvSpPr>
-          <p:cNvPr id="10" name="Прямоугольник 9"/>
-          <p:cNvSpPr/>
-          <p:nvPr/>
-        </p:nvSpPr>
-        <p:spPr>
-          <a:xfrm>
-            <a:off x="764498" y="1434751"/>
-            <a:ext cx="7689954" cy="1555041"/>
-          </a:xfrm>
-          <a:prstGeom prst="rect">
-            <a:avLst/>
-          </a:prstGeom>
-        </p:spPr>
-        <p:txBody>
-          <a:bodyPr wrap="square">
-            <a:spAutoFit/>
-          </a:bodyPr>
-          <a:lstStyle/>
-          <a:p>
-            <a:pPr algn="just">
+            <a:pPr>
               <a:lnSpc>
                 <a:spcPct val="150000"/>
               </a:lnSpc>
             </a:pPr>
             <a:r>
+              <a:rPr lang="ru-RU" sz="2200" dirty="0" smtClean="0">
+                <a:latin typeface="Times New Roman" pitchFamily="18" charset="0"/>
+                <a:cs typeface="Times New Roman" pitchFamily="18" charset="0"/>
+              </a:rPr>
+              <a:t>	</a:t>
+            </a:r>
+            <a:r>
               <a:rPr lang="de-DE" sz="2200" dirty="0" smtClean="0">
                 <a:latin typeface="Times New Roman" pitchFamily="18" charset="0"/>
                 <a:cs typeface="Times New Roman" pitchFamily="18" charset="0"/>
               </a:rPr>
-              <a:t>1. Entwicklung eines neuen Informationssystems zur Dokumentenverwaltung der konstruktionstechnologischen Vorbereitung der Produktion.</a:t>
+              <a:t>Es </a:t>
+            </a:r>
+            <a:r>
+              <a:rPr lang="de-DE" sz="2200" dirty="0" smtClean="0">
+                <a:latin typeface="Times New Roman" pitchFamily="18" charset="0"/>
+                <a:cs typeface="Times New Roman" pitchFamily="18" charset="0"/>
+              </a:rPr>
+              <a:t>gibt ein Problem im </a:t>
+            </a:r>
+            <a:r>
+              <a:rPr lang="de-DE" sz="2200" dirty="0" smtClean="0">
+                <a:latin typeface="Times New Roman" pitchFamily="18" charset="0"/>
+                <a:cs typeface="Times New Roman" pitchFamily="18" charset="0"/>
+              </a:rPr>
+              <a:t>Maschinen</a:t>
+            </a:r>
+            <a:r>
+              <a:rPr lang="ru-RU" sz="2200" dirty="0" smtClean="0">
+                <a:latin typeface="Times New Roman" pitchFamily="18" charset="0"/>
+                <a:cs typeface="Times New Roman" pitchFamily="18" charset="0"/>
+              </a:rPr>
+              <a:t>-</a:t>
+            </a:r>
+            <a:r>
+              <a:rPr lang="de-DE" sz="2200" dirty="0" err="1" smtClean="0">
+                <a:latin typeface="Times New Roman" pitchFamily="18" charset="0"/>
+                <a:cs typeface="Times New Roman" pitchFamily="18" charset="0"/>
+              </a:rPr>
+              <a:t>bauunternehmen</a:t>
+            </a:r>
+            <a:r>
+              <a:rPr lang="de-DE" sz="2200" dirty="0" smtClean="0">
+                <a:latin typeface="Times New Roman" pitchFamily="18" charset="0"/>
+                <a:cs typeface="Times New Roman" pitchFamily="18" charset="0"/>
+              </a:rPr>
+              <a:t>. In der Produktion gibt es viel Papierkram</a:t>
+            </a:r>
+            <a:r>
+              <a:rPr lang="de-DE" sz="2200" dirty="0" smtClean="0">
+                <a:latin typeface="Times New Roman" pitchFamily="18" charset="0"/>
+                <a:cs typeface="Times New Roman" pitchFamily="18" charset="0"/>
+              </a:rPr>
+              <a:t>.</a:t>
+            </a:r>
+            <a:endParaRPr lang="ru-RU" sz="2200" dirty="0" smtClean="0">
+              <a:latin typeface="Times New Roman" pitchFamily="18" charset="0"/>
+              <a:cs typeface="Times New Roman" pitchFamily="18" charset="0"/>
+            </a:endParaRPr>
+          </a:p>
+          <a:p>
+            <a:pPr>
+              <a:lnSpc>
+                <a:spcPct val="150000"/>
+              </a:lnSpc>
+            </a:pPr>
+            <a:r>
+              <a:rPr lang="ru-RU" sz="2200" dirty="0" smtClean="0">
+                <a:latin typeface="Times New Roman" pitchFamily="18" charset="0"/>
+                <a:cs typeface="Times New Roman" pitchFamily="18" charset="0"/>
+              </a:rPr>
+              <a:t>	</a:t>
+            </a:r>
+            <a:r>
+              <a:rPr lang="de-DE" sz="2200" dirty="0" smtClean="0">
+                <a:latin typeface="Times New Roman" pitchFamily="18" charset="0"/>
+                <a:cs typeface="Times New Roman" pitchFamily="18" charset="0"/>
+              </a:rPr>
+              <a:t> </a:t>
+            </a:r>
+            <a:r>
+              <a:rPr lang="de-DE" sz="2200" dirty="0" smtClean="0">
+                <a:latin typeface="Times New Roman" pitchFamily="18" charset="0"/>
+                <a:cs typeface="Times New Roman" pitchFamily="18" charset="0"/>
+              </a:rPr>
+              <a:t>Dies erschwert und verlangsamt die Arbeit von Technologen und Designern. Ich möchte ein C++-Programm schreiben, das dieses Problem löst</a:t>
+            </a:r>
+            <a:r>
+              <a:rPr lang="de-DE" sz="2200" dirty="0" smtClean="0">
+                <a:latin typeface="Times New Roman" pitchFamily="18" charset="0"/>
+                <a:cs typeface="Times New Roman" pitchFamily="18" charset="0"/>
+              </a:rPr>
+              <a:t>.</a:t>
+            </a:r>
+            <a:endParaRPr lang="ru-RU" sz="2200" dirty="0" smtClean="0">
+              <a:latin typeface="Times New Roman" pitchFamily="18" charset="0"/>
+              <a:cs typeface="Times New Roman" pitchFamily="18" charset="0"/>
+            </a:endParaRPr>
+          </a:p>
+          <a:p>
+            <a:pPr>
+              <a:lnSpc>
+                <a:spcPct val="150000"/>
+              </a:lnSpc>
+            </a:pPr>
+            <a:r>
+              <a:rPr lang="ru-RU" sz="2200" dirty="0" smtClean="0">
+                <a:latin typeface="Times New Roman" pitchFamily="18" charset="0"/>
+                <a:cs typeface="Times New Roman" pitchFamily="18" charset="0"/>
+              </a:rPr>
+              <a:t>	</a:t>
+            </a:r>
+            <a:r>
+              <a:rPr lang="ru-RU" sz="2200" dirty="0" smtClean="0">
+                <a:latin typeface="Times New Roman" pitchFamily="18" charset="0"/>
+                <a:cs typeface="Times New Roman" pitchFamily="18" charset="0"/>
+              </a:rPr>
+              <a:t> </a:t>
+            </a:r>
+            <a:r>
+              <a:rPr lang="de-DE" sz="2200" dirty="0" smtClean="0">
+                <a:latin typeface="Times New Roman" pitchFamily="18" charset="0"/>
+                <a:cs typeface="Times New Roman" pitchFamily="18" charset="0"/>
+              </a:rPr>
+              <a:t>Das </a:t>
+            </a:r>
+            <a:r>
+              <a:rPr lang="de-DE" sz="2200" dirty="0" smtClean="0">
+                <a:latin typeface="Times New Roman" pitchFamily="18" charset="0"/>
+                <a:cs typeface="Times New Roman" pitchFamily="18" charset="0"/>
+              </a:rPr>
+              <a:t>Ergebnis - wir beschleunigen den Arbeitsablauf.</a:t>
             </a:r>
             <a:endParaRPr lang="ru-RU" sz="2200" dirty="0">
               <a:latin typeface="Times New Roman" pitchFamily="18" charset="0"/>
@@ -5103,56 +4567,18 @@
           </a:p>
         </p:txBody>
       </p:sp>
-      <p:sp>
-        <p:nvSpPr>
-          <p:cNvPr id="12" name="Прямоугольник 11"/>
-          <p:cNvSpPr/>
-          <p:nvPr/>
-        </p:nvSpPr>
-        <p:spPr>
-          <a:xfrm>
-            <a:off x="839450" y="3165796"/>
-            <a:ext cx="7465102" cy="1107996"/>
-          </a:xfrm>
-          <a:prstGeom prst="rect">
-            <a:avLst/>
-          </a:prstGeom>
-        </p:spPr>
-        <p:txBody>
-          <a:bodyPr wrap="square">
-            <a:spAutoFit/>
-          </a:bodyPr>
-          <a:lstStyle/>
-          <a:p>
-            <a:pPr algn="just">
-              <a:lnSpc>
-                <a:spcPct val="150000"/>
-              </a:lnSpc>
-            </a:pPr>
-            <a:r>
-              <a:rPr lang="de-DE" sz="2200" dirty="0" smtClean="0">
-                <a:latin typeface="Times New Roman" pitchFamily="18" charset="0"/>
-                <a:cs typeface="Times New Roman" pitchFamily="18" charset="0"/>
-              </a:rPr>
-              <a:t>2. Entwicklung von Schlüsselerfolgsfaktoren (gut und qualitativ, ob es umgesetzt wird).</a:t>
-            </a:r>
-            <a:endParaRPr lang="ru-RU" sz="2200" dirty="0">
-              <a:latin typeface="Times New Roman" pitchFamily="18" charset="0"/>
-              <a:cs typeface="Times New Roman" pitchFamily="18" charset="0"/>
-            </a:endParaRPr>
-          </a:p>
-        </p:txBody>
-      </p:sp>
     </p:spTree>
-    <p:extLst>
-      <p:ext uri="{BB962C8B-B14F-4D97-AF65-F5344CB8AC3E}">
-        <p14:creationId xmlns="" xmlns:p14="http://schemas.microsoft.com/office/powerpoint/2010/main" val="379160943"/>
-      </p:ext>
-    </p:extLst>
   </p:cSld>
   <p:clrMapOvr>
     <a:masterClrMapping/>
   </p:clrMapOvr>
+  <p:timing>
+    <p:tnLst>
+      <p:par>
+        <p:cTn id="1" dur="indefinite" restart="never" nodeType="tmRoot"/>
+      </p:par>
+    </p:tnLst>
+  </p:timing>
 </p:sld>
 </file>
 
@@ -5175,29 +4601,28 @@
       </p:grpSpPr>
       <p:sp>
         <p:nvSpPr>
-          <p:cNvPr id="4" name="TextBox 3"/>
-          <p:cNvSpPr txBox="1"/>
+          <p:cNvPr id="6" name="Прямоугольник 5"/>
+          <p:cNvSpPr/>
           <p:nvPr/>
         </p:nvSpPr>
         <p:spPr>
           <a:xfrm>
-            <a:off x="8332465" y="5600528"/>
-            <a:ext cx="351830" cy="300082"/>
+            <a:off x="8133107" y="6302328"/>
+            <a:ext cx="312906" cy="369332"/>
           </a:xfrm>
           <a:prstGeom prst="rect">
             <a:avLst/>
           </a:prstGeom>
-          <a:noFill/>
         </p:spPr>
         <p:txBody>
-          <a:bodyPr wrap="square" rtlCol="0">
+          <a:bodyPr wrap="none">
             <a:spAutoFit/>
           </a:bodyPr>
           <a:lstStyle/>
           <a:p>
             <a:pPr algn="ctr"/>
-            <a:fld id="{4CB11690-5800-4A0D-8C28-71894E2CF362}" type="slidenum">
-              <a:rPr lang="ru-RU" sz="1350">
+            <a:fld id="{9E79BFED-6ECD-4563-B483-CEA192FFFCCF}" type="slidenum">
+              <a:rPr lang="ru-RU" smtClean="0">
                 <a:solidFill>
                   <a:schemeClr val="bg1"/>
                 </a:solidFill>
@@ -5206,7 +4631,7 @@
               <a:pPr algn="ctr"/>
               <a:t>5</a:t>
             </a:fld>
-            <a:endParaRPr lang="ru-RU" sz="1350" dirty="0">
+            <a:endParaRPr lang="ru-RU" dirty="0">
               <a:solidFill>
                 <a:schemeClr val="bg1"/>
               </a:solidFill>
@@ -5217,158 +4642,14 @@
       </p:sp>
       <p:sp>
         <p:nvSpPr>
-          <p:cNvPr id="11" name="Rectangle 5">
-            <a:extLst>
-              <a:ext uri="{FF2B5EF4-FFF2-40B4-BE49-F238E27FC236}">
-                <a16:creationId xmlns="" xmlns:a16="http://schemas.microsoft.com/office/drawing/2014/main" id="{1DA406F1-1987-4F5A-B59D-7A91B35A378F}"/>
-              </a:ext>
-            </a:extLst>
-          </p:cNvPr>
-          <p:cNvSpPr>
-            <a:spLocks noChangeArrowheads="1"/>
-          </p:cNvSpPr>
-          <p:nvPr/>
-        </p:nvSpPr>
-        <p:spPr bwMode="auto">
-          <a:xfrm>
-            <a:off x="1975105" y="1013424"/>
-            <a:ext cx="138564" cy="276999"/>
-          </a:xfrm>
-          <a:prstGeom prst="rect">
-            <a:avLst/>
-          </a:prstGeom>
-          <a:noFill/>
-          <a:ln>
-            <a:noFill/>
-          </a:ln>
-          <a:effectLst/>
-          <a:extLst>
-            <a:ext uri="{909E8E84-426E-40DD-AFC4-6F175D3DCCD1}">
-              <a14:hiddenFill xmlns="" xmlns:a14="http://schemas.microsoft.com/office/drawing/2010/main">
-                <a:solidFill>
-                  <a:schemeClr val="accent1"/>
-                </a:solidFill>
-              </a14:hiddenFill>
-            </a:ext>
-            <a:ext uri="{91240B29-F687-4F45-9708-019B960494DF}">
-              <a14:hiddenLine xmlns="" xmlns:a14="http://schemas.microsoft.com/office/drawing/2010/main" w="9525">
-                <a:solidFill>
-                  <a:schemeClr val="tx1"/>
-                </a:solidFill>
-                <a:miter lim="800000"/>
-                <a:headEnd/>
-                <a:tailEnd/>
-              </a14:hiddenLine>
-            </a:ext>
-            <a:ext uri="{AF507438-7753-43E0-B8FC-AC1667EBCBE1}">
-              <a14:hiddenEffects xmlns="" xmlns:a14="http://schemas.microsoft.com/office/drawing/2010/main">
-                <a:effectLst>
-                  <a:outerShdw dist="35921" dir="2700000" algn="ctr" rotWithShape="0">
-                    <a:schemeClr val="bg2"/>
-                  </a:outerShdw>
-                </a:effectLst>
-              </a14:hiddenEffects>
-            </a:ext>
-          </a:extLst>
-        </p:spPr>
-        <p:txBody>
-          <a:bodyPr vert="horz" wrap="none" lIns="68580" tIns="34290" rIns="68580" bIns="34290" numCol="1" anchor="ctr" anchorCtr="0" compatLnSpc="1">
-            <a:prstTxWarp prst="textNoShape">
-              <a:avLst/>
-            </a:prstTxWarp>
-            <a:spAutoFit/>
-          </a:bodyPr>
-          <a:lstStyle/>
-          <a:p>
-            <a:endParaRPr lang="ru-RU" sz="1350"/>
-          </a:p>
-        </p:txBody>
-      </p:sp>
-      <p:sp>
-        <p:nvSpPr>
-          <p:cNvPr id="2" name="Rectangle 2">
-            <a:extLst>
-              <a:ext uri="{FF2B5EF4-FFF2-40B4-BE49-F238E27FC236}">
-                <a16:creationId xmlns="" xmlns:a16="http://schemas.microsoft.com/office/drawing/2014/main" id="{050AE750-3D62-484F-BE3C-FD4619753DE3}"/>
-              </a:ext>
-            </a:extLst>
-          </p:cNvPr>
-          <p:cNvSpPr>
-            <a:spLocks noChangeArrowheads="1"/>
-          </p:cNvSpPr>
-          <p:nvPr/>
-        </p:nvSpPr>
-        <p:spPr bwMode="auto">
-          <a:xfrm>
-            <a:off x="1" y="890201"/>
-            <a:ext cx="138564" cy="276999"/>
-          </a:xfrm>
-          <a:prstGeom prst="rect">
-            <a:avLst/>
-          </a:prstGeom>
-          <a:noFill/>
-          <a:ln>
-            <a:noFill/>
-          </a:ln>
-          <a:effectLst/>
-          <a:extLst>
-            <a:ext uri="{909E8E84-426E-40DD-AFC4-6F175D3DCCD1}">
-              <a14:hiddenFill xmlns="" xmlns:a14="http://schemas.microsoft.com/office/drawing/2010/main">
-                <a:solidFill>
-                  <a:schemeClr val="accent1"/>
-                </a:solidFill>
-              </a14:hiddenFill>
-            </a:ext>
-            <a:ext uri="{91240B29-F687-4F45-9708-019B960494DF}">
-              <a14:hiddenLine xmlns="" xmlns:a14="http://schemas.microsoft.com/office/drawing/2010/main" w="9525">
-                <a:solidFill>
-                  <a:schemeClr val="tx1"/>
-                </a:solidFill>
-                <a:miter lim="800000"/>
-                <a:headEnd/>
-                <a:tailEnd/>
-              </a14:hiddenLine>
-            </a:ext>
-            <a:ext uri="{AF507438-7753-43E0-B8FC-AC1667EBCBE1}">
-              <a14:hiddenEffects xmlns="" xmlns:a14="http://schemas.microsoft.com/office/drawing/2010/main">
-                <a:effectLst>
-                  <a:outerShdw dist="35921" dir="2700000" algn="ctr" rotWithShape="0">
-                    <a:schemeClr val="bg2"/>
-                  </a:outerShdw>
-                </a:effectLst>
-              </a14:hiddenEffects>
-            </a:ext>
-          </a:extLst>
-        </p:spPr>
-        <p:txBody>
-          <a:bodyPr vert="horz" wrap="none" lIns="68580" tIns="34290" rIns="68580" bIns="34290" numCol="1" anchor="ctr" anchorCtr="0" compatLnSpc="1">
-            <a:prstTxWarp prst="textNoShape">
-              <a:avLst/>
-            </a:prstTxWarp>
-            <a:spAutoFit/>
-          </a:bodyPr>
-          <a:lstStyle/>
-          <a:p>
-            <a:endParaRPr lang="ru-RU" sz="1350"/>
-          </a:p>
-        </p:txBody>
-      </p:sp>
-      <p:sp>
-        <p:nvSpPr>
-          <p:cNvPr id="18" name="Прямоугольник 17">
-            <a:extLst>
-              <a:ext uri="{FF2B5EF4-FFF2-40B4-BE49-F238E27FC236}">
-                <a16:creationId xmlns="" xmlns:a16="http://schemas.microsoft.com/office/drawing/2014/main" id="{A8DB76B5-5163-43DF-9919-453E0121EA89}"/>
-              </a:ext>
-            </a:extLst>
-          </p:cNvPr>
+          <p:cNvPr id="14" name="Прямоугольник 13"/>
           <p:cNvSpPr/>
           <p:nvPr/>
         </p:nvSpPr>
         <p:spPr>
           <a:xfrm>
-            <a:off x="704538" y="5831173"/>
-            <a:ext cx="7809876" cy="400110"/>
+            <a:off x="719528" y="964996"/>
+            <a:ext cx="5471410" cy="1615827"/>
           </a:xfrm>
           <a:prstGeom prst="rect">
             <a:avLst/>
@@ -5380,143 +4661,7 @@
           </a:bodyPr>
           <a:lstStyle/>
           <a:p>
-            <a:pPr algn="ctr"/>
-            <a:r>
-              <a:rPr lang="de-DE" sz="2000" dirty="0" smtClean="0">
-                <a:latin typeface="Times New Roman" pitchFamily="18" charset="0"/>
-                <a:ea typeface="Calibri" panose="020F0502020204030204" pitchFamily="34" charset="0"/>
-                <a:cs typeface="Times New Roman" pitchFamily="18" charset="0"/>
-              </a:rPr>
-              <a:t>Abbildung 2 – </a:t>
-            </a:r>
-            <a:r>
-              <a:rPr lang="de-DE" sz="2000" dirty="0" err="1" smtClean="0">
-                <a:latin typeface="Times New Roman" pitchFamily="18" charset="0"/>
-                <a:ea typeface="Calibri" panose="020F0502020204030204" pitchFamily="34" charset="0"/>
-                <a:cs typeface="Times New Roman" pitchFamily="18" charset="0"/>
-              </a:rPr>
-              <a:t>Tutorial</a:t>
-            </a:r>
-            <a:r>
-              <a:rPr lang="de-DE" sz="2000" dirty="0" smtClean="0">
-                <a:latin typeface="Times New Roman" pitchFamily="18" charset="0"/>
-                <a:ea typeface="Calibri" panose="020F0502020204030204" pitchFamily="34" charset="0"/>
-                <a:cs typeface="Times New Roman" pitchFamily="18" charset="0"/>
-              </a:rPr>
-              <a:t> zur visuellen Modellierung.</a:t>
-            </a:r>
-            <a:endParaRPr lang="ru-RU" dirty="0">
-              <a:latin typeface="Arial" pitchFamily="34" charset="0"/>
-              <a:ea typeface="Calibri" panose="020F0502020204030204" pitchFamily="34" charset="0"/>
-              <a:cs typeface="Arial" pitchFamily="34" charset="0"/>
-            </a:endParaRPr>
-          </a:p>
-        </p:txBody>
-      </p:sp>
-      <p:sp>
-        <p:nvSpPr>
-          <p:cNvPr id="1029" name="Rectangle 5"/>
-          <p:cNvSpPr>
-            <a:spLocks noChangeArrowheads="1"/>
-          </p:cNvSpPr>
-          <p:nvPr/>
-        </p:nvSpPr>
-        <p:spPr bwMode="auto">
-          <a:xfrm>
-            <a:off x="0" y="0"/>
-            <a:ext cx="9144000" cy="0"/>
-          </a:xfrm>
-          <a:prstGeom prst="rect">
-            <a:avLst/>
-          </a:prstGeom>
-          <a:noFill/>
-          <a:ln w="9525">
-            <a:noFill/>
-            <a:miter lim="800000"/>
-            <a:headEnd/>
-            <a:tailEnd/>
-          </a:ln>
-          <a:effectLst/>
-        </p:spPr>
-        <p:txBody>
-          <a:bodyPr vert="horz" wrap="none" lIns="91440" tIns="45720" rIns="91440" bIns="45720" numCol="1" anchor="ctr" anchorCtr="0" compatLnSpc="1">
-            <a:prstTxWarp prst="textNoShape">
-              <a:avLst/>
-            </a:prstTxWarp>
-            <a:spAutoFit/>
-          </a:bodyPr>
-          <a:lstStyle/>
-          <a:p>
-            <a:endParaRPr lang="ru-RU"/>
-          </a:p>
-        </p:txBody>
-      </p:sp>
-      <p:sp>
-        <p:nvSpPr>
-          <p:cNvPr id="14" name="Rectangle 2">
-            <a:extLst>
-              <a:ext uri="{FF2B5EF4-FFF2-40B4-BE49-F238E27FC236}">
-                <a16:creationId xmlns="" xmlns:a16="http://schemas.microsoft.com/office/drawing/2014/main" id="{8E7C3786-D3F2-4603-98F0-FF25177C4EF9}"/>
-              </a:ext>
-            </a:extLst>
-          </p:cNvPr>
-          <p:cNvSpPr>
-            <a:spLocks noChangeArrowheads="1"/>
-          </p:cNvSpPr>
-          <p:nvPr/>
-        </p:nvSpPr>
-        <p:spPr bwMode="auto">
-          <a:xfrm>
-            <a:off x="704538" y="849773"/>
-            <a:ext cx="4586990" cy="1687963"/>
-          </a:xfrm>
-          <a:prstGeom prst="rect">
-            <a:avLst/>
-          </a:prstGeom>
-          <a:noFill/>
-          <a:ln>
-            <a:noFill/>
-          </a:ln>
-          <a:effectLst/>
-          <a:extLst>
-            <a:ext uri="{909E8E84-426E-40DD-AFC4-6F175D3DCCD1}">
-              <a14:hiddenFill xmlns="" xmlns:a14="http://schemas.microsoft.com/office/drawing/2010/main">
-                <a:solidFill>
-                  <a:schemeClr val="accent1"/>
-                </a:solidFill>
-              </a14:hiddenFill>
-            </a:ext>
-            <a:ext uri="{91240B29-F687-4F45-9708-019B960494DF}">
-              <a14:hiddenLine xmlns="" xmlns:a14="http://schemas.microsoft.com/office/drawing/2010/main" w="9525">
-                <a:solidFill>
-                  <a:schemeClr val="tx1"/>
-                </a:solidFill>
-                <a:miter lim="800000"/>
-                <a:headEnd/>
-                <a:tailEnd/>
-              </a14:hiddenLine>
-            </a:ext>
-            <a:ext uri="{AF507438-7753-43E0-B8FC-AC1667EBCBE1}">
-              <a14:hiddenEffects xmlns="" xmlns:a14="http://schemas.microsoft.com/office/drawing/2010/main">
-                <a:effectLst>
-                  <a:outerShdw dist="35921" dir="2700000" algn="ctr" rotWithShape="0">
-                    <a:schemeClr val="bg2"/>
-                  </a:outerShdw>
-                </a:effectLst>
-              </a14:hiddenEffects>
-            </a:ext>
-          </a:extLst>
-        </p:spPr>
-        <p:txBody>
-          <a:bodyPr vert="horz" wrap="square" lIns="91440" tIns="45720" rIns="91440" bIns="45720" numCol="1" anchor="ctr" anchorCtr="0" compatLnSpc="1">
-            <a:prstTxWarp prst="textNoShape">
-              <a:avLst/>
-            </a:prstTxWarp>
-            <a:spAutoFit/>
-          </a:bodyPr>
-          <a:lstStyle/>
-          <a:p>
-            <a:pPr lvl="0" indent="449263" algn="ctr" eaLnBrk="0" fontAlgn="base" hangingPunct="0">
+            <a:pPr lvl="0" indent="469900" algn="just" fontAlgn="base">
               <a:lnSpc>
                 <a:spcPct val="150000"/>
               </a:lnSpc>
@@ -5527,250 +4672,13 @@
                 <a:spcPct val="0"/>
               </a:spcAft>
             </a:pPr>
-            <a:r>
-              <a:rPr lang="de-DE" altLang="ru-RU" sz="2400" dirty="0" smtClean="0">
-                <a:latin typeface="Times New Roman" pitchFamily="18" charset="0"/>
-                <a:cs typeface="Times New Roman" pitchFamily="18" charset="0"/>
-              </a:rPr>
-              <a:t>Studium der Ingenieurwissenschaften  im Rational Rose-Programm.</a:t>
-            </a:r>
-            <a:endParaRPr kumimoji="0" lang="ru-RU" altLang="ru-RU" sz="2400" b="0" i="0" u="none" strike="noStrike" cap="none" normalizeH="0" baseline="0" dirty="0">
-              <a:ln>
-                <a:noFill/>
-              </a:ln>
-              <a:solidFill>
-                <a:schemeClr val="tx1"/>
-              </a:solidFill>
-              <a:effectLst/>
+            <a:endParaRPr lang="ru-RU" sz="2200" dirty="0" smtClean="0">
               <a:latin typeface="Times New Roman" pitchFamily="18" charset="0"/>
               <a:cs typeface="Times New Roman" pitchFamily="18" charset="0"/>
             </a:endParaRPr>
           </a:p>
-        </p:txBody>
-      </p:sp>
-      <p:sp>
-        <p:nvSpPr>
-          <p:cNvPr id="15" name="TextBox 14"/>
-          <p:cNvSpPr txBox="1"/>
-          <p:nvPr/>
-        </p:nvSpPr>
-        <p:spPr>
-          <a:xfrm>
-            <a:off x="1139252" y="-55733"/>
-            <a:ext cx="7450112" cy="830997"/>
-          </a:xfrm>
-          <a:prstGeom prst="rect">
-            <a:avLst/>
-          </a:prstGeom>
-          <a:noFill/>
-        </p:spPr>
-        <p:txBody>
-          <a:bodyPr wrap="square" rtlCol="0" anchor="ctr" anchorCtr="1">
-            <a:spAutoFit/>
-          </a:bodyPr>
-          <a:lstStyle/>
-          <a:p>
-            <a:pPr algn="ctr"/>
-            <a:endParaRPr lang="ru-RU" sz="2000" dirty="0" smtClean="0">
-              <a:solidFill>
-                <a:schemeClr val="bg1"/>
-              </a:solidFill>
-              <a:latin typeface="Times New Roman" pitchFamily="18" charset="0"/>
-              <a:cs typeface="Times New Roman" pitchFamily="18" charset="0"/>
-            </a:endParaRPr>
-          </a:p>
-          <a:p>
-            <a:pPr algn="ctr"/>
-            <a:r>
-              <a:rPr lang="en-US" sz="2800" dirty="0" smtClean="0">
-                <a:solidFill>
-                  <a:schemeClr val="bg1"/>
-                </a:solidFill>
-                <a:latin typeface="Elektra Text Pro"/>
-                <a:cs typeface="Times New Roman" pitchFamily="18" charset="0"/>
-              </a:rPr>
-              <a:t>Was </a:t>
-            </a:r>
-            <a:r>
-              <a:rPr lang="en-US" sz="2800" dirty="0" err="1" smtClean="0">
-                <a:solidFill>
-                  <a:schemeClr val="bg1"/>
-                </a:solidFill>
-                <a:latin typeface="Elektra Text Pro"/>
-                <a:cs typeface="Times New Roman" pitchFamily="18" charset="0"/>
-              </a:rPr>
-              <a:t>ist</a:t>
-            </a:r>
-            <a:r>
-              <a:rPr lang="en-US" sz="2800" dirty="0" smtClean="0">
-                <a:solidFill>
-                  <a:schemeClr val="bg1"/>
-                </a:solidFill>
-                <a:latin typeface="Elektra Text Pro"/>
-                <a:cs typeface="Times New Roman" pitchFamily="18" charset="0"/>
-              </a:rPr>
-              <a:t> </a:t>
-            </a:r>
-            <a:r>
-              <a:rPr lang="en-US" sz="2800" dirty="0" err="1" smtClean="0">
-                <a:solidFill>
-                  <a:schemeClr val="bg1"/>
-                </a:solidFill>
-                <a:latin typeface="Elektra Text Pro"/>
-                <a:cs typeface="Times New Roman" pitchFamily="18" charset="0"/>
-              </a:rPr>
-              <a:t>getan</a:t>
-            </a:r>
-            <a:r>
-              <a:rPr lang="en-US" sz="2800" dirty="0" smtClean="0">
-                <a:solidFill>
-                  <a:schemeClr val="bg1"/>
-                </a:solidFill>
-                <a:latin typeface="Elektra Text Pro"/>
-                <a:cs typeface="Times New Roman" pitchFamily="18" charset="0"/>
-              </a:rPr>
-              <a:t>?</a:t>
-            </a:r>
-            <a:endParaRPr lang="ru-RU" dirty="0">
-              <a:solidFill>
-                <a:schemeClr val="bg1"/>
-              </a:solidFill>
-              <a:latin typeface="Elektra Text Pro" panose="02000503030000020004" pitchFamily="50" charset="-52"/>
-            </a:endParaRPr>
-          </a:p>
-        </p:txBody>
-      </p:sp>
-      <p:sp>
-        <p:nvSpPr>
-          <p:cNvPr id="20" name="Прямоугольник 19"/>
-          <p:cNvSpPr/>
-          <p:nvPr/>
-        </p:nvSpPr>
-        <p:spPr>
-          <a:xfrm>
-            <a:off x="8133108" y="6257357"/>
-            <a:ext cx="312906" cy="369332"/>
-          </a:xfrm>
-          <a:prstGeom prst="rect">
-            <a:avLst/>
-          </a:prstGeom>
-        </p:spPr>
-        <p:txBody>
-          <a:bodyPr wrap="none">
-            <a:spAutoFit/>
-          </a:bodyPr>
-          <a:lstStyle/>
-          <a:p>
-            <a:pPr algn="ctr"/>
-            <a:fld id="{4CB11690-5800-4A0D-8C28-71894E2CF362}" type="slidenum">
-              <a:rPr lang="ru-RU" smtClean="0">
-                <a:solidFill>
-                  <a:schemeClr val="bg1"/>
-                </a:solidFill>
-                <a:latin typeface="Elektra Medium Pro" panose="02000803000000020004" pitchFamily="50" charset="-52"/>
-              </a:rPr>
-              <a:pPr algn="ctr"/>
-              <a:t>5</a:t>
-            </a:fld>
-            <a:endParaRPr lang="ru-RU" dirty="0">
-              <a:solidFill>
-                <a:schemeClr val="bg1"/>
-              </a:solidFill>
-              <a:latin typeface="Elektra Medium Pro" panose="02000803000000020004" pitchFamily="50" charset="-52"/>
-            </a:endParaRPr>
-          </a:p>
-        </p:txBody>
-      </p:sp>
-      <p:pic>
-        <p:nvPicPr>
-          <p:cNvPr id="12" name="Рисунок 11" descr="17.jpg"/>
-          <p:cNvPicPr>
-            <a:picLocks noChangeAspect="1"/>
-          </p:cNvPicPr>
-          <p:nvPr/>
-        </p:nvPicPr>
-        <p:blipFill>
-          <a:blip r:embed="rId3" cstate="print"/>
-          <a:stretch>
-            <a:fillRect/>
-          </a:stretch>
-        </p:blipFill>
-        <p:spPr>
-          <a:xfrm>
-            <a:off x="5496315" y="1107711"/>
-            <a:ext cx="3248025" cy="4762500"/>
-          </a:xfrm>
-          <a:prstGeom prst="rect">
-            <a:avLst/>
-          </a:prstGeom>
-        </p:spPr>
-      </p:pic>
-      <p:sp>
-        <p:nvSpPr>
-          <p:cNvPr id="17" name="Rectangle 2">
-            <a:extLst>
-              <a:ext uri="{FF2B5EF4-FFF2-40B4-BE49-F238E27FC236}">
-                <a16:creationId xmlns="" xmlns:a16="http://schemas.microsoft.com/office/drawing/2014/main" id="{8E7C3786-D3F2-4603-98F0-FF25177C4EF9}"/>
-              </a:ext>
-            </a:extLst>
-          </p:cNvPr>
-          <p:cNvSpPr>
-            <a:spLocks noChangeArrowheads="1"/>
-          </p:cNvSpPr>
-          <p:nvPr/>
-        </p:nvSpPr>
-        <p:spPr bwMode="auto">
-          <a:xfrm>
-            <a:off x="752006" y="3033021"/>
-            <a:ext cx="4586990" cy="1133965"/>
-          </a:xfrm>
-          <a:prstGeom prst="rect">
-            <a:avLst/>
-          </a:prstGeom>
-          <a:noFill/>
-          <a:ln>
-            <a:noFill/>
-          </a:ln>
-          <a:effectLst/>
-          <a:extLst>
-            <a:ext uri="{909E8E84-426E-40DD-AFC4-6F175D3DCCD1}">
-              <a14:hiddenFill xmlns="" xmlns:a14="http://schemas.microsoft.com/office/drawing/2010/main">
-                <a:solidFill>
-                  <a:schemeClr val="accent1"/>
-                </a:solidFill>
-              </a14:hiddenFill>
-            </a:ext>
-            <a:ext uri="{91240B29-F687-4F45-9708-019B960494DF}">
-              <a14:hiddenLine xmlns="" xmlns:a14="http://schemas.microsoft.com/office/drawing/2010/main" w="9525">
-                <a:solidFill>
-                  <a:schemeClr val="tx1"/>
-                </a:solidFill>
-                <a:miter lim="800000"/>
-                <a:headEnd/>
-                <a:tailEnd/>
-              </a14:hiddenLine>
-            </a:ext>
-            <a:ext uri="{AF507438-7753-43E0-B8FC-AC1667EBCBE1}">
-              <a14:hiddenEffects xmlns="" xmlns:a14="http://schemas.microsoft.com/office/drawing/2010/main">
-                <a:effectLst>
-                  <a:outerShdw dist="35921" dir="2700000" algn="ctr" rotWithShape="0">
-                    <a:schemeClr val="bg2"/>
-                  </a:outerShdw>
-                </a:effectLst>
-              </a14:hiddenEffects>
-            </a:ext>
-          </a:extLst>
-        </p:spPr>
-        <p:txBody>
-          <a:bodyPr vert="horz" wrap="square" lIns="91440" tIns="45720" rIns="91440" bIns="45720" numCol="1" anchor="ctr" anchorCtr="0" compatLnSpc="1">
-            <a:prstTxWarp prst="textNoShape">
-              <a:avLst/>
-            </a:prstTxWarp>
-            <a:spAutoFit/>
-          </a:bodyPr>
-          <a:lstStyle/>
-          <a:p>
-            <a:pPr lvl="0" indent="449263" algn="ctr" eaLnBrk="0" fontAlgn="base" hangingPunct="0">
+          <a:p>
+            <a:pPr lvl="0" indent="469900" algn="just" fontAlgn="base">
               <a:lnSpc>
                 <a:spcPct val="150000"/>
               </a:lnSpc>
@@ -5781,43 +4689,237 @@
                 <a:spcPct val="0"/>
               </a:spcAft>
             </a:pPr>
-            <a:r>
-              <a:rPr lang="de-DE" altLang="ru-RU" sz="2400" dirty="0" smtClean="0">
-                <a:latin typeface="Times New Roman" pitchFamily="18" charset="0"/>
-                <a:cs typeface="Times New Roman" pitchFamily="18" charset="0"/>
-              </a:rPr>
-              <a:t>Während des Trainings wurden folgende Diagramme erstellt:</a:t>
-            </a:r>
-            <a:endParaRPr kumimoji="0" lang="ru-RU" altLang="ru-RU" sz="2400" b="0" i="0" u="none" strike="noStrike" cap="none" normalizeH="0" baseline="0" dirty="0">
-              <a:ln>
-                <a:noFill/>
-              </a:ln>
-              <a:solidFill>
-                <a:schemeClr val="tx1"/>
-              </a:solidFill>
-              <a:effectLst/>
+            <a:endParaRPr lang="ru-RU" sz="2200" dirty="0" smtClean="0">
               <a:latin typeface="Times New Roman" pitchFamily="18" charset="0"/>
               <a:cs typeface="Times New Roman" pitchFamily="18" charset="0"/>
             </a:endParaRPr>
           </a:p>
+          <a:p>
+            <a:pPr lvl="0" indent="469900" algn="just" fontAlgn="base">
+              <a:lnSpc>
+                <a:spcPct val="150000"/>
+              </a:lnSpc>
+              <a:spcBef>
+                <a:spcPct val="0"/>
+              </a:spcBef>
+              <a:spcAft>
+                <a:spcPct val="0"/>
+              </a:spcAft>
+            </a:pPr>
+            <a:endParaRPr lang="ru-RU" sz="2200" dirty="0" smtClean="0">
+              <a:latin typeface="Times New Roman" pitchFamily="18" charset="0"/>
+              <a:cs typeface="Times New Roman" pitchFamily="18" charset="0"/>
+            </a:endParaRPr>
+          </a:p>
+        </p:txBody>
+      </p:sp>
+      <p:pic>
+        <p:nvPicPr>
+          <p:cNvPr id="11" name="Рисунок 10" descr="17.jpg"/>
+          <p:cNvPicPr>
+            <a:picLocks noChangeAspect="1"/>
+          </p:cNvPicPr>
+          <p:nvPr/>
+        </p:nvPicPr>
+        <p:blipFill>
+          <a:blip r:embed="rId2" cstate="print"/>
+          <a:stretch>
+            <a:fillRect/>
+          </a:stretch>
+        </p:blipFill>
+        <p:spPr>
+          <a:xfrm>
+            <a:off x="6410714" y="1259175"/>
+            <a:ext cx="2249146" cy="3297868"/>
+          </a:xfrm>
+          <a:prstGeom prst="rect">
+            <a:avLst/>
+          </a:prstGeom>
+        </p:spPr>
+      </p:pic>
+      <p:sp>
+        <p:nvSpPr>
+          <p:cNvPr id="15" name="Прямоугольник 14"/>
+          <p:cNvSpPr/>
+          <p:nvPr/>
+        </p:nvSpPr>
+        <p:spPr>
+          <a:xfrm>
+            <a:off x="734517" y="1104131"/>
+            <a:ext cx="5456421" cy="3647152"/>
+          </a:xfrm>
+          <a:prstGeom prst="rect">
+            <a:avLst/>
+          </a:prstGeom>
+        </p:spPr>
+        <p:txBody>
+          <a:bodyPr wrap="square">
+            <a:spAutoFit/>
+          </a:bodyPr>
+          <a:lstStyle/>
+          <a:p>
+            <a:pPr indent="469900" algn="just" fontAlgn="base">
+              <a:lnSpc>
+                <a:spcPct val="150000"/>
+              </a:lnSpc>
+              <a:spcBef>
+                <a:spcPct val="0"/>
+              </a:spcBef>
+              <a:spcAft>
+                <a:spcPct val="0"/>
+              </a:spcAft>
+            </a:pPr>
+            <a:r>
+              <a:rPr lang="de-DE" sz="2200" dirty="0" smtClean="0">
+                <a:latin typeface="Times New Roman" pitchFamily="18" charset="0"/>
+                <a:cs typeface="Times New Roman" pitchFamily="18" charset="0"/>
+              </a:rPr>
+              <a:t>Aber die Programmiersprache C++ versteht Informationen durch Kodierung</a:t>
+            </a:r>
+            <a:r>
+              <a:rPr lang="de-DE" sz="2200" dirty="0" smtClean="0">
+                <a:latin typeface="Times New Roman" pitchFamily="18" charset="0"/>
+                <a:cs typeface="Times New Roman" pitchFamily="18" charset="0"/>
+              </a:rPr>
+              <a:t>.</a:t>
+            </a:r>
+            <a:r>
+              <a:rPr lang="ru-RU" sz="2200" dirty="0" smtClean="0">
+                <a:latin typeface="Times New Roman" pitchFamily="18" charset="0"/>
+                <a:cs typeface="Times New Roman" pitchFamily="18" charset="0"/>
+              </a:rPr>
+              <a:t> 	</a:t>
+            </a:r>
+            <a:r>
+              <a:rPr lang="de-DE" sz="2200" dirty="0" smtClean="0">
+                <a:latin typeface="Times New Roman" pitchFamily="18" charset="0"/>
+                <a:cs typeface="Times New Roman" pitchFamily="18" charset="0"/>
+              </a:rPr>
+              <a:t>Daher </a:t>
+            </a:r>
+            <a:r>
+              <a:rPr lang="de-DE" sz="2200" dirty="0" smtClean="0">
+                <a:latin typeface="Times New Roman" pitchFamily="18" charset="0"/>
+                <a:cs typeface="Times New Roman" pitchFamily="18" charset="0"/>
+              </a:rPr>
+              <a:t>werde ich modellieren und visualisieren, was im </a:t>
+            </a:r>
+            <a:r>
+              <a:rPr lang="ru-RU" sz="2200" dirty="0" smtClean="0">
+                <a:latin typeface="Times New Roman" pitchFamily="18" charset="0"/>
+                <a:cs typeface="Times New Roman" pitchFamily="18" charset="0"/>
+              </a:rPr>
+              <a:t>«</a:t>
+            </a:r>
+            <a:r>
+              <a:rPr lang="de-DE" sz="2200" dirty="0" smtClean="0">
+                <a:latin typeface="Times New Roman" pitchFamily="18" charset="0"/>
+                <a:cs typeface="Times New Roman" pitchFamily="18" charset="0"/>
+              </a:rPr>
+              <a:t>Rational Rose</a:t>
+            </a:r>
+            <a:r>
+              <a:rPr lang="ru-RU" sz="2200" dirty="0" smtClean="0">
+                <a:latin typeface="Times New Roman" pitchFamily="18" charset="0"/>
+                <a:cs typeface="Times New Roman" pitchFamily="18" charset="0"/>
+              </a:rPr>
+              <a:t>»</a:t>
+            </a:r>
+            <a:r>
+              <a:rPr lang="de-DE" sz="2200" dirty="0" smtClean="0">
+                <a:latin typeface="Times New Roman" pitchFamily="18" charset="0"/>
+                <a:cs typeface="Times New Roman" pitchFamily="18" charset="0"/>
+              </a:rPr>
+              <a:t>-</a:t>
+            </a:r>
+            <a:r>
+              <a:rPr lang="de-DE" sz="2200" dirty="0" err="1" smtClean="0">
+                <a:latin typeface="Times New Roman" pitchFamily="18" charset="0"/>
+                <a:cs typeface="Times New Roman" pitchFamily="18" charset="0"/>
+              </a:rPr>
+              <a:t>Compilerprogramm</a:t>
+            </a:r>
+            <a:r>
+              <a:rPr lang="de-DE" sz="2200" dirty="0" smtClean="0">
+                <a:latin typeface="Times New Roman" pitchFamily="18" charset="0"/>
+                <a:cs typeface="Times New Roman" pitchFamily="18" charset="0"/>
+              </a:rPr>
+              <a:t> konzipiert wurde</a:t>
+            </a:r>
+            <a:r>
+              <a:rPr lang="de-DE" sz="2200" dirty="0" smtClean="0">
+                <a:latin typeface="Times New Roman" pitchFamily="18" charset="0"/>
+                <a:cs typeface="Times New Roman" pitchFamily="18" charset="0"/>
+              </a:rPr>
+              <a:t>.</a:t>
+            </a:r>
+            <a:r>
+              <a:rPr lang="ru-RU" sz="2200" dirty="0" smtClean="0">
+                <a:latin typeface="Times New Roman" pitchFamily="18" charset="0"/>
+                <a:cs typeface="Times New Roman" pitchFamily="18" charset="0"/>
+              </a:rPr>
+              <a:t> </a:t>
+            </a:r>
+          </a:p>
+          <a:p>
+            <a:pPr indent="469900" algn="just" fontAlgn="base">
+              <a:lnSpc>
+                <a:spcPct val="150000"/>
+              </a:lnSpc>
+              <a:spcBef>
+                <a:spcPct val="0"/>
+              </a:spcBef>
+              <a:spcAft>
+                <a:spcPct val="0"/>
+              </a:spcAft>
+            </a:pPr>
+            <a:r>
+              <a:rPr lang="de-DE" sz="2200" dirty="0" smtClean="0">
+                <a:latin typeface="Times New Roman" pitchFamily="18" charset="0"/>
+                <a:cs typeface="Times New Roman" pitchFamily="18" charset="0"/>
+              </a:rPr>
+              <a:t>Als </a:t>
+            </a:r>
+            <a:r>
+              <a:rPr lang="de-DE" sz="2200" dirty="0" smtClean="0">
+                <a:latin typeface="Times New Roman" pitchFamily="18" charset="0"/>
+                <a:cs typeface="Times New Roman" pitchFamily="18" charset="0"/>
+              </a:rPr>
+              <a:t>Ergebnis erhalten wir ein neues Programm in der Programmiersprache C++.</a:t>
+            </a:r>
+            <a:endParaRPr lang="ru-RU" sz="2200" dirty="0" smtClean="0">
+              <a:latin typeface="Times New Roman" pitchFamily="18" charset="0"/>
+              <a:cs typeface="Times New Roman" pitchFamily="18" charset="0"/>
+            </a:endParaRPr>
+          </a:p>
         </p:txBody>
       </p:sp>
     </p:spTree>
-    <p:extLst>
-      <p:ext uri="{BB962C8B-B14F-4D97-AF65-F5344CB8AC3E}">
-        <p14:creationId xmlns="" xmlns:p14="http://schemas.microsoft.com/office/powerpoint/2010/main" val="379160943"/>
-      </p:ext>
-    </p:extLst>
   </p:cSld>
   <p:clrMapOvr>
     <a:masterClrMapping/>
   </p:clrMapOvr>
+  <p:timing>
+    <p:tnLst>
+      <p:par>
+        <p:cTn id="1" dur="indefinite" restart="never" nodeType="tmRoot"/>
+      </p:par>
+    </p:tnLst>
+  </p:timing>
 </p:sld>
 </file>
 
 <file path=ppt/slides/slide6.xml><?xml version="1.0" encoding="utf-8"?>
 <p:sld xmlns:a="http://schemas.openxmlformats.org/drawingml/2006/main" xmlns:r="http://schemas.openxmlformats.org/officeDocument/2006/relationships" xmlns:p="http://schemas.openxmlformats.org/presentationml/2006/main">
   <p:cSld>
+    <p:bg>
+      <p:bgPr>
+        <a:solidFill>
+          <a:schemeClr val="bg1"/>
+        </a:solidFill>
+        <a:effectLst/>
+      </p:bgPr>
+    </p:bg>
     <p:spTree>
       <p:nvGrpSpPr>
         <p:cNvPr id="1" name=""/>
@@ -5834,90 +4936,13 @@
       </p:grpSpPr>
       <p:sp>
         <p:nvSpPr>
-          <p:cNvPr id="3" name="TextBox 2"/>
+          <p:cNvPr id="2" name="TextBox 1"/>
           <p:cNvSpPr txBox="1"/>
           <p:nvPr/>
         </p:nvSpPr>
         <p:spPr>
           <a:xfrm>
-            <a:off x="866689" y="208860"/>
-            <a:ext cx="7898675" cy="523220"/>
-          </a:xfrm>
-          <a:prstGeom prst="rect">
-            <a:avLst/>
-          </a:prstGeom>
-          <a:noFill/>
-        </p:spPr>
-        <p:txBody>
-          <a:bodyPr wrap="square" rtlCol="0" anchor="ctr" anchorCtr="1">
-            <a:spAutoFit/>
-          </a:bodyPr>
-          <a:lstStyle/>
-          <a:p>
-            <a:pPr algn="ctr"/>
-            <a:r>
-              <a:rPr lang="en-US" sz="2800" dirty="0" smtClean="0">
-                <a:solidFill>
-                  <a:schemeClr val="bg1"/>
-                </a:solidFill>
-                <a:latin typeface="Elektra Text Pro" panose="02000503030000020004" pitchFamily="50" charset="-52"/>
-              </a:rPr>
-              <a:t>Was </a:t>
-            </a:r>
-            <a:r>
-              <a:rPr lang="en-US" sz="2800" dirty="0" err="1" smtClean="0">
-                <a:solidFill>
-                  <a:schemeClr val="bg1"/>
-                </a:solidFill>
-                <a:latin typeface="Elektra Text Pro" panose="02000503030000020004" pitchFamily="50" charset="-52"/>
-              </a:rPr>
-              <a:t>ist</a:t>
-            </a:r>
-            <a:r>
-              <a:rPr lang="en-US" sz="2800" dirty="0" smtClean="0">
-                <a:solidFill>
-                  <a:schemeClr val="bg1"/>
-                </a:solidFill>
-                <a:latin typeface="Elektra Text Pro" panose="02000503030000020004" pitchFamily="50" charset="-52"/>
-              </a:rPr>
-              <a:t> </a:t>
-            </a:r>
-            <a:r>
-              <a:rPr lang="en-US" sz="2800" dirty="0" err="1" smtClean="0">
-                <a:solidFill>
-                  <a:schemeClr val="bg1"/>
-                </a:solidFill>
-                <a:latin typeface="Elektra Text Pro" panose="02000503030000020004" pitchFamily="50" charset="-52"/>
-              </a:rPr>
-              <a:t>getan</a:t>
-            </a:r>
-            <a:r>
-              <a:rPr lang="en-US" sz="2800" dirty="0" smtClean="0">
-                <a:solidFill>
-                  <a:schemeClr val="bg1"/>
-                </a:solidFill>
-                <a:latin typeface="Elektra Text Pro" panose="02000503030000020004" pitchFamily="50" charset="-52"/>
-              </a:rPr>
-              <a:t>?</a:t>
-            </a:r>
-            <a:endParaRPr lang="ru-RU" sz="2800" dirty="0">
-              <a:solidFill>
-                <a:schemeClr val="bg1"/>
-              </a:solidFill>
-              <a:latin typeface="Elektra Text Pro" panose="02000503030000020004" pitchFamily="50" charset="-52"/>
-            </a:endParaRPr>
-          </a:p>
-        </p:txBody>
-      </p:sp>
-      <p:sp>
-        <p:nvSpPr>
-          <p:cNvPr id="4" name="TextBox 3"/>
-          <p:cNvSpPr txBox="1"/>
-          <p:nvPr/>
-        </p:nvSpPr>
-        <p:spPr>
-          <a:xfrm>
-            <a:off x="8067539" y="6332760"/>
+            <a:off x="7836692" y="6345239"/>
             <a:ext cx="469107" cy="369332"/>
           </a:xfrm>
           <a:prstGeom prst="rect">
@@ -5932,281 +4957,58 @@
           <a:lstStyle/>
           <a:p>
             <a:pPr algn="ctr"/>
-            <a:fld id="{4CB11690-5800-4A0D-8C28-71894E2CF362}" type="slidenum">
-              <a:rPr lang="ru-RU" smtClean="0">
+            <a:r>
+              <a:rPr lang="ru-RU" dirty="0">
                 <a:solidFill>
                   <a:schemeClr val="bg1"/>
                 </a:solidFill>
                 <a:latin typeface="Elektra Medium Pro" panose="02000803000000020004" pitchFamily="50" charset="-52"/>
               </a:rPr>
-              <a:pPr algn="ctr"/>
-              <a:t>6</a:t>
-            </a:fld>
-            <a:endParaRPr lang="ru-RU" dirty="0">
-              <a:solidFill>
-                <a:schemeClr val="bg1"/>
-              </a:solidFill>
-              <a:latin typeface="Elektra Medium Pro" panose="02000803000000020004" pitchFamily="50" charset="-52"/>
-            </a:endParaRPr>
-          </a:p>
-        </p:txBody>
-      </p:sp>
-      <p:sp>
-        <p:nvSpPr>
-          <p:cNvPr id="8" name="Rectangle 2">
+              <a:t>10</a:t>
+            </a:r>
+          </a:p>
+        </p:txBody>
+      </p:sp>
+      <p:pic>
+        <p:nvPicPr>
+          <p:cNvPr id="4" name="Рисунок 3"/>
+          <p:cNvPicPr>
+            <a:picLocks noChangeAspect="1"/>
+          </p:cNvPicPr>
+          <p:nvPr/>
+        </p:nvPicPr>
+        <p:blipFill>
+          <a:blip r:embed="rId2" cstate="print">
             <a:extLst>
-              <a:ext uri="{FF2B5EF4-FFF2-40B4-BE49-F238E27FC236}">
-                <a16:creationId xmlns="" xmlns:a16="http://schemas.microsoft.com/office/drawing/2014/main" id="{8E7C3786-D3F2-4603-98F0-FF25177C4EF9}"/>
+              <a:ext uri="{28A0092B-C50C-407E-A947-70E740481C1C}">
+                <a14:useLocalDpi xmlns="" xmlns:a14="http://schemas.microsoft.com/office/drawing/2010/main" val="0"/>
               </a:ext>
             </a:extLst>
-          </p:cNvPr>
-          <p:cNvSpPr>
-            <a:spLocks noChangeArrowheads="1"/>
-          </p:cNvSpPr>
-          <p:nvPr/>
-        </p:nvSpPr>
-        <p:spPr bwMode="auto">
+          </a:blip>
+          <a:stretch>
+            <a:fillRect/>
+          </a:stretch>
+        </p:blipFill>
+        <p:spPr>
           <a:xfrm>
-            <a:off x="614597" y="5115177"/>
-            <a:ext cx="7854845" cy="830997"/>
+            <a:off x="0" y="0"/>
+            <a:ext cx="9144000" cy="6858000"/>
           </a:xfrm>
           <a:prstGeom prst="rect">
             <a:avLst/>
           </a:prstGeom>
-          <a:noFill/>
-          <a:ln>
-            <a:noFill/>
-          </a:ln>
-          <a:effectLst/>
-          <a:extLst>
-            <a:ext uri="{909E8E84-426E-40DD-AFC4-6F175D3DCCD1}">
-              <a14:hiddenFill xmlns="" xmlns:a14="http://schemas.microsoft.com/office/drawing/2010/main">
-                <a:solidFill>
-                  <a:schemeClr val="accent1"/>
-                </a:solidFill>
-              </a14:hiddenFill>
-            </a:ext>
-            <a:ext uri="{91240B29-F687-4F45-9708-019B960494DF}">
-              <a14:hiddenLine xmlns="" xmlns:a14="http://schemas.microsoft.com/office/drawing/2010/main" w="9525">
-                <a:solidFill>
-                  <a:schemeClr val="tx1"/>
-                </a:solidFill>
-                <a:miter lim="800000"/>
-                <a:headEnd/>
-                <a:tailEnd/>
-              </a14:hiddenLine>
-            </a:ext>
-            <a:ext uri="{AF507438-7753-43E0-B8FC-AC1667EBCBE1}">
-              <a14:hiddenEffects xmlns="" xmlns:a14="http://schemas.microsoft.com/office/drawing/2010/main">
-                <a:effectLst>
-                  <a:outerShdw dist="35921" dir="2700000" algn="ctr" rotWithShape="0">
-                    <a:schemeClr val="bg2"/>
-                  </a:outerShdw>
-                </a:effectLst>
-              </a14:hiddenEffects>
-            </a:ext>
-          </a:extLst>
-        </p:spPr>
-        <p:txBody>
-          <a:bodyPr vert="horz" wrap="square" lIns="91440" tIns="45720" rIns="91440" bIns="45720" numCol="1" anchor="ctr" anchorCtr="0" compatLnSpc="1">
-            <a:prstTxWarp prst="textNoShape">
-              <a:avLst/>
-            </a:prstTxWarp>
-            <a:spAutoFit/>
-          </a:bodyPr>
-          <a:lstStyle/>
-          <a:p>
-            <a:pPr lvl="0" indent="449263" algn="just" eaLnBrk="0" fontAlgn="base" hangingPunct="0">
-              <a:spcBef>
-                <a:spcPct val="0"/>
-              </a:spcBef>
-              <a:spcAft>
-                <a:spcPct val="0"/>
-              </a:spcAft>
-            </a:pPr>
-            <a:r>
-              <a:rPr lang="de-DE" altLang="ru-RU" sz="2400" dirty="0" smtClean="0">
-                <a:latin typeface="Times New Roman" pitchFamily="18" charset="0"/>
-                <a:cs typeface="Times New Roman" pitchFamily="18" charset="0"/>
-              </a:rPr>
-              <a:t>Auf Folie 6 in Abbildung 3 sehen wir ein Präzedenzfalldiagramm.</a:t>
-            </a:r>
-            <a:endParaRPr kumimoji="0" lang="ru-RU" altLang="ru-RU" sz="2400" b="0" i="0" u="none" strike="noStrike" cap="none" normalizeH="0" baseline="0" dirty="0">
-              <a:ln>
-                <a:noFill/>
-              </a:ln>
-              <a:solidFill>
-                <a:schemeClr val="tx1"/>
-              </a:solidFill>
-              <a:effectLst/>
-              <a:latin typeface="Times New Roman" pitchFamily="18" charset="0"/>
-              <a:cs typeface="Times New Roman" pitchFamily="18" charset="0"/>
-            </a:endParaRPr>
-          </a:p>
-        </p:txBody>
-      </p:sp>
-      <p:sp>
-        <p:nvSpPr>
-          <p:cNvPr id="6" name="Rectangle 2">
-            <a:extLst>
-              <a:ext uri="{FF2B5EF4-FFF2-40B4-BE49-F238E27FC236}">
-                <a16:creationId xmlns="" xmlns:a16="http://schemas.microsoft.com/office/drawing/2014/main" id="{8E7C3786-D3F2-4603-98F0-FF25177C4EF9}"/>
-              </a:ext>
-            </a:extLst>
-          </p:cNvPr>
-          <p:cNvSpPr>
-            <a:spLocks noChangeArrowheads="1"/>
-          </p:cNvSpPr>
-          <p:nvPr/>
-        </p:nvSpPr>
-        <p:spPr bwMode="auto">
-          <a:xfrm>
-            <a:off x="2124299" y="5884431"/>
-            <a:ext cx="5229637" cy="369332"/>
-          </a:xfrm>
-          <a:prstGeom prst="rect">
-            <a:avLst/>
-          </a:prstGeom>
-          <a:noFill/>
-          <a:ln>
-            <a:noFill/>
-          </a:ln>
-          <a:effectLst/>
-          <a:extLst>
-            <a:ext uri="{909E8E84-426E-40DD-AFC4-6F175D3DCCD1}">
-              <a14:hiddenFill xmlns="" xmlns:a14="http://schemas.microsoft.com/office/drawing/2010/main">
-                <a:solidFill>
-                  <a:schemeClr val="accent1"/>
-                </a:solidFill>
-              </a14:hiddenFill>
-            </a:ext>
-            <a:ext uri="{91240B29-F687-4F45-9708-019B960494DF}">
-              <a14:hiddenLine xmlns="" xmlns:a14="http://schemas.microsoft.com/office/drawing/2010/main" w="9525">
-                <a:solidFill>
-                  <a:schemeClr val="tx1"/>
-                </a:solidFill>
-                <a:miter lim="800000"/>
-                <a:headEnd/>
-                <a:tailEnd/>
-              </a14:hiddenLine>
-            </a:ext>
-            <a:ext uri="{AF507438-7753-43E0-B8FC-AC1667EBCBE1}">
-              <a14:hiddenEffects xmlns="" xmlns:a14="http://schemas.microsoft.com/office/drawing/2010/main">
-                <a:effectLst>
-                  <a:outerShdw dist="35921" dir="2700000" algn="ctr" rotWithShape="0">
-                    <a:schemeClr val="bg2"/>
-                  </a:outerShdw>
-                </a:effectLst>
-              </a14:hiddenEffects>
-            </a:ext>
-          </a:extLst>
-        </p:spPr>
-        <p:txBody>
-          <a:bodyPr vert="horz" wrap="none" lIns="91440" tIns="45720" rIns="91440" bIns="45720" numCol="1" anchor="ctr" anchorCtr="0" compatLnSpc="1">
-            <a:prstTxWarp prst="textNoShape">
-              <a:avLst/>
-            </a:prstTxWarp>
-            <a:spAutoFit/>
-          </a:bodyPr>
-          <a:lstStyle/>
-          <a:p>
-            <a:pPr lvl="0" indent="449263" algn="ctr" eaLnBrk="0" fontAlgn="base" hangingPunct="0">
-              <a:spcBef>
-                <a:spcPct val="0"/>
-              </a:spcBef>
-              <a:spcAft>
-                <a:spcPct val="0"/>
-              </a:spcAft>
-            </a:pPr>
-            <a:r>
-              <a:rPr lang="de-DE" altLang="ru-RU" dirty="0" smtClean="0">
-                <a:latin typeface="Arial" panose="020B0604020202020204" pitchFamily="34" charset="0"/>
-              </a:rPr>
-              <a:t>Abbildung 3 – Diagramm der Präzedenzfälle.</a:t>
-            </a:r>
-            <a:endParaRPr kumimoji="0" lang="ru-RU" altLang="ru-RU" sz="1800" b="0" i="0" u="none" strike="noStrike" cap="none" normalizeH="0" baseline="0" dirty="0">
-              <a:ln>
-                <a:noFill/>
-              </a:ln>
-              <a:solidFill>
-                <a:schemeClr val="tx1"/>
-              </a:solidFill>
-              <a:effectLst/>
-              <a:latin typeface="Arial" panose="020B0604020202020204" pitchFamily="34" charset="0"/>
-            </a:endParaRPr>
-          </a:p>
-        </p:txBody>
-      </p:sp>
-      <p:pic>
-        <p:nvPicPr>
-          <p:cNvPr id="7" name="Рисунок 6"/>
-          <p:cNvPicPr/>
-          <p:nvPr/>
-        </p:nvPicPr>
-        <p:blipFill>
-          <a:blip r:embed="rId2" cstate="print"/>
-          <a:srcRect/>
-          <a:stretch>
-            <a:fillRect/>
-          </a:stretch>
-        </p:blipFill>
-        <p:spPr bwMode="auto">
-          <a:xfrm>
-            <a:off x="972601" y="1028365"/>
-            <a:ext cx="7391911" cy="3933379"/>
-          </a:xfrm>
-          <a:prstGeom prst="rect">
-            <a:avLst/>
-          </a:prstGeom>
-          <a:noFill/>
-          <a:ln w="9525">
-            <a:noFill/>
-            <a:miter lim="800000"/>
-            <a:headEnd/>
-            <a:tailEnd/>
-          </a:ln>
         </p:spPr>
       </p:pic>
-    </p:spTree>
-    <p:extLst>
-      <p:ext uri="{BB962C8B-B14F-4D97-AF65-F5344CB8AC3E}">
-        <p14:creationId xmlns="" xmlns:p14="http://schemas.microsoft.com/office/powerpoint/2010/main" val="1878654547"/>
-      </p:ext>
-    </p:extLst>
-  </p:cSld>
-  <p:clrMapOvr>
-    <a:masterClrMapping/>
-  </p:clrMapOvr>
-</p:sld>
-</file>
-
-<file path=ppt/slides/slide7.xml><?xml version="1.0" encoding="utf-8"?>
-<p:sld xmlns:a="http://schemas.openxmlformats.org/drawingml/2006/main" xmlns:r="http://schemas.openxmlformats.org/officeDocument/2006/relationships" xmlns:p="http://schemas.openxmlformats.org/presentationml/2006/main">
-  <p:cSld>
-    <p:spTree>
-      <p:nvGrpSpPr>
-        <p:cNvPr id="1" name=""/>
-        <p:cNvGrpSpPr/>
-        <p:nvPr/>
-      </p:nvGrpSpPr>
-      <p:grpSpPr>
-        <a:xfrm>
-          <a:off x="0" y="0"/>
-          <a:ext cx="0" cy="0"/>
-          <a:chOff x="0" y="0"/>
-          <a:chExt cx="0" cy="0"/>
-        </a:xfrm>
-      </p:grpSpPr>
-      <p:sp>
-        <p:nvSpPr>
-          <p:cNvPr id="3" name="TextBox 2"/>
+      <p:sp>
+        <p:nvSpPr>
+          <p:cNvPr id="6" name="TextBox 5"/>
           <p:cNvSpPr txBox="1"/>
           <p:nvPr/>
         </p:nvSpPr>
         <p:spPr>
           <a:xfrm>
-            <a:off x="866689" y="208860"/>
-            <a:ext cx="7898675" cy="523220"/>
+            <a:off x="4646527" y="2613392"/>
+            <a:ext cx="3831772" cy="830997"/>
           </a:xfrm>
           <a:prstGeom prst="rect">
             <a:avLst/>
@@ -6221,51 +5023,15 @@
           <a:p>
             <a:pPr algn="ctr"/>
             <a:r>
-              <a:rPr lang="en-US" sz="2800" dirty="0" smtClean="0">
+              <a:rPr lang="en-US" sz="2400" b="1" dirty="0" smtClean="0">
                 <a:solidFill>
                   <a:schemeClr val="bg1"/>
                 </a:solidFill>
                 <a:latin typeface="Elektra Text Pro" panose="02000503030000020004" pitchFamily="50" charset="-52"/>
               </a:rPr>
-              <a:t>Was </a:t>
-            </a:r>
-            <a:r>
-              <a:rPr lang="en-US" sz="2800" dirty="0" err="1" smtClean="0">
-                <a:solidFill>
-                  <a:schemeClr val="bg1"/>
-                </a:solidFill>
-                <a:latin typeface="Elektra Text Pro" panose="02000503030000020004" pitchFamily="50" charset="-52"/>
-              </a:rPr>
-              <a:t>ist</a:t>
-            </a:r>
-            <a:r>
-              <a:rPr lang="en-US" sz="2800" dirty="0" smtClean="0">
-                <a:solidFill>
-                  <a:schemeClr val="bg1"/>
-                </a:solidFill>
-                <a:latin typeface="Elektra Text Pro" panose="02000503030000020004" pitchFamily="50" charset="-52"/>
-              </a:rPr>
-              <a:t> </a:t>
-            </a:r>
-            <a:r>
-              <a:rPr lang="en-US" sz="2800" dirty="0" err="1" smtClean="0">
-                <a:solidFill>
-                  <a:schemeClr val="bg1"/>
-                </a:solidFill>
-                <a:latin typeface="Elektra Text Pro" panose="02000503030000020004" pitchFamily="50" charset="-52"/>
-              </a:rPr>
-              <a:t>getan</a:t>
-            </a:r>
-            <a:r>
-              <a:rPr lang="en-US" sz="2800" dirty="0" smtClean="0">
-                <a:solidFill>
-                  <a:schemeClr val="bg1"/>
-                </a:solidFill>
-                <a:latin typeface="Elektra Text Pro" panose="02000503030000020004" pitchFamily="50" charset="-52"/>
-              </a:rPr>
-              <a:t>?</a:t>
-            </a:r>
-            <a:endParaRPr lang="ru-RU" sz="2800" dirty="0">
+              <a:t>DANKE FÜR AUFMERKSAMKEIT</a:t>
+            </a:r>
+            <a:endParaRPr lang="ru-RU" sz="2400" b="1" dirty="0">
               <a:solidFill>
                 <a:schemeClr val="bg1"/>
               </a:solidFill>
@@ -6274,1150 +5040,10 @@
           </a:p>
         </p:txBody>
       </p:sp>
-      <p:sp>
-        <p:nvSpPr>
-          <p:cNvPr id="4" name="TextBox 3"/>
-          <p:cNvSpPr txBox="1"/>
-          <p:nvPr/>
-        </p:nvSpPr>
-        <p:spPr>
-          <a:xfrm>
-            <a:off x="8067539" y="6332760"/>
-            <a:ext cx="469107" cy="369332"/>
-          </a:xfrm>
-          <a:prstGeom prst="rect">
-            <a:avLst/>
-          </a:prstGeom>
-          <a:noFill/>
-        </p:spPr>
-        <p:txBody>
-          <a:bodyPr wrap="square" rtlCol="0">
-            <a:spAutoFit/>
-          </a:bodyPr>
-          <a:lstStyle/>
-          <a:p>
-            <a:pPr algn="ctr"/>
-            <a:fld id="{4CB11690-5800-4A0D-8C28-71894E2CF362}" type="slidenum">
-              <a:rPr lang="ru-RU" smtClean="0">
-                <a:solidFill>
-                  <a:schemeClr val="bg1"/>
-                </a:solidFill>
-                <a:latin typeface="Elektra Medium Pro" panose="02000803000000020004" pitchFamily="50" charset="-52"/>
-              </a:rPr>
-              <a:pPr algn="ctr"/>
-              <a:t>7</a:t>
-            </a:fld>
-            <a:endParaRPr lang="ru-RU" dirty="0">
-              <a:solidFill>
-                <a:schemeClr val="bg1"/>
-              </a:solidFill>
-              <a:latin typeface="Elektra Medium Pro" panose="02000803000000020004" pitchFamily="50" charset="-52"/>
-            </a:endParaRPr>
-          </a:p>
-        </p:txBody>
-      </p:sp>
-      <p:sp>
-        <p:nvSpPr>
-          <p:cNvPr id="8" name="Rectangle 2">
-            <a:extLst>
-              <a:ext uri="{FF2B5EF4-FFF2-40B4-BE49-F238E27FC236}">
-                <a16:creationId xmlns="" xmlns:a16="http://schemas.microsoft.com/office/drawing/2014/main" id="{8E7C3786-D3F2-4603-98F0-FF25177C4EF9}"/>
-              </a:ext>
-            </a:extLst>
-          </p:cNvPr>
-          <p:cNvSpPr>
-            <a:spLocks noChangeArrowheads="1"/>
-          </p:cNvSpPr>
-          <p:nvPr/>
-        </p:nvSpPr>
-        <p:spPr bwMode="auto">
-          <a:xfrm>
-            <a:off x="749507" y="5074991"/>
-            <a:ext cx="7794885" cy="461665"/>
-          </a:xfrm>
-          <a:prstGeom prst="rect">
-            <a:avLst/>
-          </a:prstGeom>
-          <a:noFill/>
-          <a:ln>
-            <a:noFill/>
-          </a:ln>
-          <a:effectLst/>
-          <a:extLst>
-            <a:ext uri="{909E8E84-426E-40DD-AFC4-6F175D3DCCD1}">
-              <a14:hiddenFill xmlns="" xmlns:a14="http://schemas.microsoft.com/office/drawing/2010/main">
-                <a:solidFill>
-                  <a:schemeClr val="accent1"/>
-                </a:solidFill>
-              </a14:hiddenFill>
-            </a:ext>
-            <a:ext uri="{91240B29-F687-4F45-9708-019B960494DF}">
-              <a14:hiddenLine xmlns="" xmlns:a14="http://schemas.microsoft.com/office/drawing/2010/main" w="9525">
-                <a:solidFill>
-                  <a:schemeClr val="tx1"/>
-                </a:solidFill>
-                <a:miter lim="800000"/>
-                <a:headEnd/>
-                <a:tailEnd/>
-              </a14:hiddenLine>
-            </a:ext>
-            <a:ext uri="{AF507438-7753-43E0-B8FC-AC1667EBCBE1}">
-              <a14:hiddenEffects xmlns="" xmlns:a14="http://schemas.microsoft.com/office/drawing/2010/main">
-                <a:effectLst>
-                  <a:outerShdw dist="35921" dir="2700000" algn="ctr" rotWithShape="0">
-                    <a:schemeClr val="bg2"/>
-                  </a:outerShdw>
-                </a:effectLst>
-              </a14:hiddenEffects>
-            </a:ext>
-          </a:extLst>
-        </p:spPr>
-        <p:txBody>
-          <a:bodyPr vert="horz" wrap="square" lIns="91440" tIns="45720" rIns="91440" bIns="45720" numCol="1" anchor="ctr" anchorCtr="0" compatLnSpc="1">
-            <a:prstTxWarp prst="textNoShape">
-              <a:avLst/>
-            </a:prstTxWarp>
-            <a:spAutoFit/>
-          </a:bodyPr>
-          <a:lstStyle/>
-          <a:p>
-            <a:pPr lvl="0" indent="449263" algn="ctr" eaLnBrk="0" fontAlgn="base" hangingPunct="0">
-              <a:spcBef>
-                <a:spcPct val="0"/>
-              </a:spcBef>
-              <a:spcAft>
-                <a:spcPct val="0"/>
-              </a:spcAft>
-            </a:pPr>
-            <a:r>
-              <a:rPr lang="de-DE" altLang="ru-RU" sz="2400" dirty="0" smtClean="0">
-                <a:latin typeface="Times New Roman" pitchFamily="18" charset="0"/>
-                <a:cs typeface="Times New Roman" pitchFamily="18" charset="0"/>
-              </a:rPr>
-              <a:t>In Abbildung 4 sehen wir ein Sequenzdiagramm.</a:t>
-            </a:r>
-            <a:endParaRPr kumimoji="0" lang="ru-RU" altLang="ru-RU" sz="2400" b="0" i="0" u="none" strike="noStrike" cap="none" normalizeH="0" baseline="0" dirty="0">
-              <a:ln>
-                <a:noFill/>
-              </a:ln>
-              <a:solidFill>
-                <a:schemeClr val="tx1"/>
-              </a:solidFill>
-              <a:effectLst/>
-              <a:latin typeface="Times New Roman" pitchFamily="18" charset="0"/>
-              <a:cs typeface="Times New Roman" pitchFamily="18" charset="0"/>
-            </a:endParaRPr>
-          </a:p>
-        </p:txBody>
-      </p:sp>
-      <p:sp>
-        <p:nvSpPr>
-          <p:cNvPr id="6" name="Rectangle 2">
-            <a:extLst>
-              <a:ext uri="{FF2B5EF4-FFF2-40B4-BE49-F238E27FC236}">
-                <a16:creationId xmlns="" xmlns:a16="http://schemas.microsoft.com/office/drawing/2014/main" id="{8E7C3786-D3F2-4603-98F0-FF25177C4EF9}"/>
-              </a:ext>
-            </a:extLst>
-          </p:cNvPr>
-          <p:cNvSpPr>
-            <a:spLocks noChangeArrowheads="1"/>
-          </p:cNvSpPr>
-          <p:nvPr/>
-        </p:nvSpPr>
-        <p:spPr bwMode="auto">
-          <a:xfrm>
-            <a:off x="2298465" y="5733334"/>
-            <a:ext cx="4851329" cy="461665"/>
-          </a:xfrm>
-          <a:prstGeom prst="rect">
-            <a:avLst/>
-          </a:prstGeom>
-          <a:noFill/>
-          <a:ln>
-            <a:noFill/>
-          </a:ln>
-          <a:effectLst/>
-          <a:extLst>
-            <a:ext uri="{909E8E84-426E-40DD-AFC4-6F175D3DCCD1}">
-              <a14:hiddenFill xmlns="" xmlns:a14="http://schemas.microsoft.com/office/drawing/2010/main">
-                <a:solidFill>
-                  <a:schemeClr val="accent1"/>
-                </a:solidFill>
-              </a14:hiddenFill>
-            </a:ext>
-            <a:ext uri="{91240B29-F687-4F45-9708-019B960494DF}">
-              <a14:hiddenLine xmlns="" xmlns:a14="http://schemas.microsoft.com/office/drawing/2010/main" w="9525">
-                <a:solidFill>
-                  <a:schemeClr val="tx1"/>
-                </a:solidFill>
-                <a:miter lim="800000"/>
-                <a:headEnd/>
-                <a:tailEnd/>
-              </a14:hiddenLine>
-            </a:ext>
-            <a:ext uri="{AF507438-7753-43E0-B8FC-AC1667EBCBE1}">
-              <a14:hiddenEffects xmlns="" xmlns:a14="http://schemas.microsoft.com/office/drawing/2010/main">
-                <a:effectLst>
-                  <a:outerShdw dist="35921" dir="2700000" algn="ctr" rotWithShape="0">
-                    <a:schemeClr val="bg2"/>
-                  </a:outerShdw>
-                </a:effectLst>
-              </a14:hiddenEffects>
-            </a:ext>
-          </a:extLst>
-        </p:spPr>
-        <p:txBody>
-          <a:bodyPr vert="horz" wrap="none" lIns="91440" tIns="45720" rIns="91440" bIns="45720" numCol="1" anchor="ctr" anchorCtr="0" compatLnSpc="1">
-            <a:prstTxWarp prst="textNoShape">
-              <a:avLst/>
-            </a:prstTxWarp>
-            <a:spAutoFit/>
-          </a:bodyPr>
-          <a:lstStyle/>
-          <a:p>
-            <a:pPr lvl="0" indent="449263" algn="ctr" eaLnBrk="0" fontAlgn="base" hangingPunct="0">
-              <a:spcBef>
-                <a:spcPct val="0"/>
-              </a:spcBef>
-              <a:spcAft>
-                <a:spcPct val="0"/>
-              </a:spcAft>
-            </a:pPr>
-            <a:r>
-              <a:rPr lang="en-US" altLang="ru-RU" sz="2400" dirty="0" err="1" smtClean="0">
-                <a:latin typeface="Times New Roman" pitchFamily="18" charset="0"/>
-                <a:cs typeface="Times New Roman" pitchFamily="18" charset="0"/>
-              </a:rPr>
-              <a:t>Abbildung</a:t>
-            </a:r>
-            <a:r>
-              <a:rPr lang="en-US" altLang="ru-RU" sz="2400" dirty="0" smtClean="0">
-                <a:latin typeface="Times New Roman" pitchFamily="18" charset="0"/>
-                <a:cs typeface="Times New Roman" pitchFamily="18" charset="0"/>
-              </a:rPr>
-              <a:t> 4 – </a:t>
-            </a:r>
-            <a:r>
-              <a:rPr lang="en-US" altLang="ru-RU" sz="2400" dirty="0" err="1" smtClean="0">
-                <a:latin typeface="Times New Roman" pitchFamily="18" charset="0"/>
-                <a:cs typeface="Times New Roman" pitchFamily="18" charset="0"/>
-              </a:rPr>
-              <a:t>Sequenzdiagramm</a:t>
-            </a:r>
-            <a:r>
-              <a:rPr kumimoji="0" lang="ru-RU" altLang="ru-RU" sz="2200" b="0" i="0" u="none" strike="noStrike" cap="none" normalizeH="0" baseline="0" dirty="0" smtClean="0">
-                <a:ln>
-                  <a:noFill/>
-                </a:ln>
-                <a:solidFill>
-                  <a:schemeClr val="tx1"/>
-                </a:solidFill>
-                <a:effectLst/>
-                <a:latin typeface="Times New Roman" pitchFamily="18" charset="0"/>
-                <a:cs typeface="Times New Roman" pitchFamily="18" charset="0"/>
-              </a:rPr>
-              <a:t>.</a:t>
-            </a:r>
-            <a:endParaRPr kumimoji="0" lang="ru-RU" altLang="ru-RU" sz="2200" b="0" i="0" u="none" strike="noStrike" cap="none" normalizeH="0" baseline="0" dirty="0">
-              <a:ln>
-                <a:noFill/>
-              </a:ln>
-              <a:solidFill>
-                <a:schemeClr val="tx1"/>
-              </a:solidFill>
-              <a:effectLst/>
-              <a:latin typeface="Times New Roman" pitchFamily="18" charset="0"/>
-              <a:cs typeface="Times New Roman" pitchFamily="18" charset="0"/>
-            </a:endParaRPr>
-          </a:p>
-        </p:txBody>
-      </p:sp>
-      <p:pic>
-        <p:nvPicPr>
-          <p:cNvPr id="9" name="Рисунок 8"/>
-          <p:cNvPicPr/>
-          <p:nvPr/>
-        </p:nvPicPr>
-        <p:blipFill>
-          <a:blip r:embed="rId2" cstate="print"/>
-          <a:srcRect/>
-          <a:stretch>
-            <a:fillRect/>
-          </a:stretch>
-        </p:blipFill>
-        <p:spPr bwMode="auto">
-          <a:xfrm>
-            <a:off x="914401" y="1077861"/>
-            <a:ext cx="7570032" cy="3404198"/>
-          </a:xfrm>
-          <a:prstGeom prst="rect">
-            <a:avLst/>
-          </a:prstGeom>
-          <a:noFill/>
-          <a:ln w="9525">
-            <a:noFill/>
-            <a:miter lim="800000"/>
-            <a:headEnd/>
-            <a:tailEnd/>
-          </a:ln>
-        </p:spPr>
-      </p:pic>
     </p:spTree>
     <p:extLst>
       <p:ext uri="{BB962C8B-B14F-4D97-AF65-F5344CB8AC3E}">
-        <p14:creationId xmlns="" xmlns:p14="http://schemas.microsoft.com/office/powerpoint/2010/main" val="1878654547"/>
-      </p:ext>
-    </p:extLst>
-  </p:cSld>
-  <p:clrMapOvr>
-    <a:masterClrMapping/>
-  </p:clrMapOvr>
-</p:sld>
-</file>
-
-<file path=ppt/slides/slide8.xml><?xml version="1.0" encoding="utf-8"?>
-<p:sld xmlns:a="http://schemas.openxmlformats.org/drawingml/2006/main" xmlns:r="http://schemas.openxmlformats.org/officeDocument/2006/relationships" xmlns:p="http://schemas.openxmlformats.org/presentationml/2006/main">
-  <p:cSld>
-    <p:spTree>
-      <p:nvGrpSpPr>
-        <p:cNvPr id="1" name=""/>
-        <p:cNvGrpSpPr/>
-        <p:nvPr/>
-      </p:nvGrpSpPr>
-      <p:grpSpPr>
-        <a:xfrm>
-          <a:off x="0" y="0"/>
-          <a:ext cx="0" cy="0"/>
-          <a:chOff x="0" y="0"/>
-          <a:chExt cx="0" cy="0"/>
-        </a:xfrm>
-      </p:grpSpPr>
-      <p:sp>
-        <p:nvSpPr>
-          <p:cNvPr id="3" name="TextBox 2"/>
-          <p:cNvSpPr txBox="1"/>
-          <p:nvPr/>
-        </p:nvSpPr>
-        <p:spPr>
-          <a:xfrm>
-            <a:off x="866689" y="208860"/>
-            <a:ext cx="7898675" cy="523220"/>
-          </a:xfrm>
-          <a:prstGeom prst="rect">
-            <a:avLst/>
-          </a:prstGeom>
-          <a:noFill/>
-        </p:spPr>
-        <p:txBody>
-          <a:bodyPr wrap="square" rtlCol="0" anchor="ctr" anchorCtr="1">
-            <a:spAutoFit/>
-          </a:bodyPr>
-          <a:lstStyle/>
-          <a:p>
-            <a:pPr algn="ctr"/>
-            <a:r>
-              <a:rPr lang="en-US" sz="2800" dirty="0" smtClean="0">
-                <a:solidFill>
-                  <a:schemeClr val="bg1"/>
-                </a:solidFill>
-                <a:latin typeface="Elektra Text Pro" panose="02000503030000020004" pitchFamily="50" charset="-52"/>
-              </a:rPr>
-              <a:t>Was </a:t>
-            </a:r>
-            <a:r>
-              <a:rPr lang="en-US" sz="2800" dirty="0" err="1" smtClean="0">
-                <a:solidFill>
-                  <a:schemeClr val="bg1"/>
-                </a:solidFill>
-                <a:latin typeface="Elektra Text Pro" panose="02000503030000020004" pitchFamily="50" charset="-52"/>
-              </a:rPr>
-              <a:t>ist</a:t>
-            </a:r>
-            <a:r>
-              <a:rPr lang="en-US" sz="2800" dirty="0" smtClean="0">
-                <a:solidFill>
-                  <a:schemeClr val="bg1"/>
-                </a:solidFill>
-                <a:latin typeface="Elektra Text Pro" panose="02000503030000020004" pitchFamily="50" charset="-52"/>
-              </a:rPr>
-              <a:t> </a:t>
-            </a:r>
-            <a:r>
-              <a:rPr lang="en-US" sz="2800" dirty="0" err="1" smtClean="0">
-                <a:solidFill>
-                  <a:schemeClr val="bg1"/>
-                </a:solidFill>
-                <a:latin typeface="Elektra Text Pro" panose="02000503030000020004" pitchFamily="50" charset="-52"/>
-              </a:rPr>
-              <a:t>getan</a:t>
-            </a:r>
-            <a:r>
-              <a:rPr lang="en-US" sz="2800" dirty="0" smtClean="0">
-                <a:solidFill>
-                  <a:schemeClr val="bg1"/>
-                </a:solidFill>
-                <a:latin typeface="Elektra Text Pro" panose="02000503030000020004" pitchFamily="50" charset="-52"/>
-              </a:rPr>
-              <a:t>?</a:t>
-            </a:r>
-            <a:r>
-              <a:rPr lang="ru-RU" sz="2800" dirty="0" smtClean="0">
-                <a:solidFill>
-                  <a:schemeClr val="bg1"/>
-                </a:solidFill>
-                <a:latin typeface="Elektra Text Pro" panose="02000503030000020004" pitchFamily="50" charset="-52"/>
-              </a:rPr>
-              <a:t> </a:t>
-            </a:r>
-            <a:endParaRPr lang="ru-RU" sz="2800" dirty="0">
-              <a:solidFill>
-                <a:schemeClr val="bg1"/>
-              </a:solidFill>
-              <a:latin typeface="Elektra Text Pro" panose="02000503030000020004" pitchFamily="50" charset="-52"/>
-            </a:endParaRPr>
-          </a:p>
-        </p:txBody>
-      </p:sp>
-      <p:sp>
-        <p:nvSpPr>
-          <p:cNvPr id="4" name="TextBox 3"/>
-          <p:cNvSpPr txBox="1"/>
-          <p:nvPr/>
-        </p:nvSpPr>
-        <p:spPr>
-          <a:xfrm>
-            <a:off x="8067539" y="6332760"/>
-            <a:ext cx="469107" cy="369332"/>
-          </a:xfrm>
-          <a:prstGeom prst="rect">
-            <a:avLst/>
-          </a:prstGeom>
-          <a:noFill/>
-        </p:spPr>
-        <p:txBody>
-          <a:bodyPr wrap="square" rtlCol="0">
-            <a:spAutoFit/>
-          </a:bodyPr>
-          <a:lstStyle/>
-          <a:p>
-            <a:pPr algn="ctr"/>
-            <a:fld id="{4CB11690-5800-4A0D-8C28-71894E2CF362}" type="slidenum">
-              <a:rPr lang="ru-RU" smtClean="0">
-                <a:solidFill>
-                  <a:schemeClr val="bg1"/>
-                </a:solidFill>
-                <a:latin typeface="Elektra Medium Pro" panose="02000803000000020004" pitchFamily="50" charset="-52"/>
-              </a:rPr>
-              <a:pPr algn="ctr"/>
-              <a:t>8</a:t>
-            </a:fld>
-            <a:endParaRPr lang="ru-RU" dirty="0">
-              <a:solidFill>
-                <a:schemeClr val="bg1"/>
-              </a:solidFill>
-              <a:latin typeface="Elektra Medium Pro" panose="02000803000000020004" pitchFamily="50" charset="-52"/>
-            </a:endParaRPr>
-          </a:p>
-        </p:txBody>
-      </p:sp>
-      <p:sp>
-        <p:nvSpPr>
-          <p:cNvPr id="8" name="Rectangle 2">
-            <a:extLst>
-              <a:ext uri="{FF2B5EF4-FFF2-40B4-BE49-F238E27FC236}">
-                <a16:creationId xmlns="" xmlns:a16="http://schemas.microsoft.com/office/drawing/2014/main" id="{8E7C3786-D3F2-4603-98F0-FF25177C4EF9}"/>
-              </a:ext>
-            </a:extLst>
-          </p:cNvPr>
-          <p:cNvSpPr>
-            <a:spLocks noChangeArrowheads="1"/>
-          </p:cNvSpPr>
-          <p:nvPr/>
-        </p:nvSpPr>
-        <p:spPr bwMode="auto">
-          <a:xfrm>
-            <a:off x="959371" y="4344447"/>
-            <a:ext cx="3792512" cy="830997"/>
-          </a:xfrm>
-          <a:prstGeom prst="rect">
-            <a:avLst/>
-          </a:prstGeom>
-          <a:noFill/>
-          <a:ln>
-            <a:noFill/>
-          </a:ln>
-          <a:effectLst/>
-          <a:extLst>
-            <a:ext uri="{909E8E84-426E-40DD-AFC4-6F175D3DCCD1}">
-              <a14:hiddenFill xmlns="" xmlns:a14="http://schemas.microsoft.com/office/drawing/2010/main">
-                <a:solidFill>
-                  <a:schemeClr val="accent1"/>
-                </a:solidFill>
-              </a14:hiddenFill>
-            </a:ext>
-            <a:ext uri="{91240B29-F687-4F45-9708-019B960494DF}">
-              <a14:hiddenLine xmlns="" xmlns:a14="http://schemas.microsoft.com/office/drawing/2010/main" w="9525">
-                <a:solidFill>
-                  <a:schemeClr val="tx1"/>
-                </a:solidFill>
-                <a:miter lim="800000"/>
-                <a:headEnd/>
-                <a:tailEnd/>
-              </a14:hiddenLine>
-            </a:ext>
-            <a:ext uri="{AF507438-7753-43E0-B8FC-AC1667EBCBE1}">
-              <a14:hiddenEffects xmlns="" xmlns:a14="http://schemas.microsoft.com/office/drawing/2010/main">
-                <a:effectLst>
-                  <a:outerShdw dist="35921" dir="2700000" algn="ctr" rotWithShape="0">
-                    <a:schemeClr val="bg2"/>
-                  </a:outerShdw>
-                </a:effectLst>
-              </a14:hiddenEffects>
-            </a:ext>
-          </a:extLst>
-        </p:spPr>
-        <p:txBody>
-          <a:bodyPr vert="horz" wrap="square" lIns="91440" tIns="45720" rIns="91440" bIns="45720" numCol="1" anchor="ctr" anchorCtr="0" compatLnSpc="1">
-            <a:prstTxWarp prst="textNoShape">
-              <a:avLst/>
-            </a:prstTxWarp>
-            <a:spAutoFit/>
-          </a:bodyPr>
-          <a:lstStyle/>
-          <a:p>
-            <a:pPr lvl="0" indent="449263" algn="ctr" eaLnBrk="0" fontAlgn="base" hangingPunct="0">
-              <a:spcBef>
-                <a:spcPct val="0"/>
-              </a:spcBef>
-              <a:spcAft>
-                <a:spcPct val="0"/>
-              </a:spcAft>
-            </a:pPr>
-            <a:r>
-              <a:rPr lang="de-DE" altLang="ru-RU" sz="2400" dirty="0" smtClean="0">
-                <a:latin typeface="Times New Roman" pitchFamily="18" charset="0"/>
-                <a:cs typeface="Times New Roman" pitchFamily="18" charset="0"/>
-              </a:rPr>
-              <a:t>Abbildung 5a - Diagramm der Aktionsfolge.</a:t>
-            </a:r>
-            <a:endParaRPr kumimoji="0" lang="ru-RU" altLang="ru-RU" sz="2400" b="0" i="0" u="none" strike="noStrike" cap="none" normalizeH="0" baseline="0" dirty="0">
-              <a:ln>
-                <a:noFill/>
-              </a:ln>
-              <a:solidFill>
-                <a:schemeClr val="tx1"/>
-              </a:solidFill>
-              <a:effectLst/>
-              <a:latin typeface="Times New Roman" pitchFamily="18" charset="0"/>
-              <a:cs typeface="Times New Roman" pitchFamily="18" charset="0"/>
-            </a:endParaRPr>
-          </a:p>
-        </p:txBody>
-      </p:sp>
-      <p:sp>
-        <p:nvSpPr>
-          <p:cNvPr id="6" name="Rectangle 2">
-            <a:extLst>
-              <a:ext uri="{FF2B5EF4-FFF2-40B4-BE49-F238E27FC236}">
-                <a16:creationId xmlns="" xmlns:a16="http://schemas.microsoft.com/office/drawing/2014/main" id="{8E7C3786-D3F2-4603-98F0-FF25177C4EF9}"/>
-              </a:ext>
-            </a:extLst>
-          </p:cNvPr>
-          <p:cNvSpPr>
-            <a:spLocks noChangeArrowheads="1"/>
-          </p:cNvSpPr>
-          <p:nvPr/>
-        </p:nvSpPr>
-        <p:spPr bwMode="auto">
-          <a:xfrm>
-            <a:off x="524656" y="5398766"/>
-            <a:ext cx="8260476" cy="830997"/>
-          </a:xfrm>
-          <a:prstGeom prst="rect">
-            <a:avLst/>
-          </a:prstGeom>
-          <a:noFill/>
-          <a:ln>
-            <a:noFill/>
-          </a:ln>
-          <a:effectLst/>
-          <a:extLst>
-            <a:ext uri="{909E8E84-426E-40DD-AFC4-6F175D3DCCD1}">
-              <a14:hiddenFill xmlns="" xmlns:a14="http://schemas.microsoft.com/office/drawing/2010/main">
-                <a:solidFill>
-                  <a:schemeClr val="accent1"/>
-                </a:solidFill>
-              </a14:hiddenFill>
-            </a:ext>
-            <a:ext uri="{91240B29-F687-4F45-9708-019B960494DF}">
-              <a14:hiddenLine xmlns="" xmlns:a14="http://schemas.microsoft.com/office/drawing/2010/main" w="9525">
-                <a:solidFill>
-                  <a:schemeClr val="tx1"/>
-                </a:solidFill>
-                <a:miter lim="800000"/>
-                <a:headEnd/>
-                <a:tailEnd/>
-              </a14:hiddenLine>
-            </a:ext>
-            <a:ext uri="{AF507438-7753-43E0-B8FC-AC1667EBCBE1}">
-              <a14:hiddenEffects xmlns="" xmlns:a14="http://schemas.microsoft.com/office/drawing/2010/main">
-                <a:effectLst>
-                  <a:outerShdw dist="35921" dir="2700000" algn="ctr" rotWithShape="0">
-                    <a:schemeClr val="bg2"/>
-                  </a:outerShdw>
-                </a:effectLst>
-              </a14:hiddenEffects>
-            </a:ext>
-          </a:extLst>
-        </p:spPr>
-        <p:txBody>
-          <a:bodyPr vert="horz" wrap="square" lIns="91440" tIns="45720" rIns="91440" bIns="45720" numCol="1" anchor="ctr" anchorCtr="0" compatLnSpc="1">
-            <a:prstTxWarp prst="textNoShape">
-              <a:avLst/>
-            </a:prstTxWarp>
-            <a:spAutoFit/>
-          </a:bodyPr>
-          <a:lstStyle/>
-          <a:p>
-            <a:pPr lvl="0" indent="449263" algn="ctr" eaLnBrk="0" fontAlgn="base" hangingPunct="0">
-              <a:spcBef>
-                <a:spcPct val="0"/>
-              </a:spcBef>
-              <a:spcAft>
-                <a:spcPct val="0"/>
-              </a:spcAft>
-            </a:pPr>
-            <a:r>
-              <a:rPr lang="de-DE" altLang="ru-RU" sz="2400" dirty="0" smtClean="0">
-                <a:latin typeface="Times New Roman" pitchFamily="18" charset="0"/>
-                <a:cs typeface="Times New Roman" pitchFamily="18" charset="0"/>
-              </a:rPr>
-              <a:t>Abbildung 5a, b - Diagramme der Abfolge von Aktionen und Komponenten.</a:t>
-            </a:r>
-            <a:endParaRPr kumimoji="0" lang="ru-RU" altLang="ru-RU" sz="2400" b="0" i="0" u="none" strike="noStrike" cap="none" normalizeH="0" baseline="0" dirty="0">
-              <a:ln>
-                <a:noFill/>
-              </a:ln>
-              <a:solidFill>
-                <a:schemeClr val="tx1"/>
-              </a:solidFill>
-              <a:effectLst/>
-              <a:latin typeface="Times New Roman" pitchFamily="18" charset="0"/>
-              <a:cs typeface="Times New Roman" pitchFamily="18" charset="0"/>
-            </a:endParaRPr>
-          </a:p>
-        </p:txBody>
-      </p:sp>
-      <p:pic>
-        <p:nvPicPr>
-          <p:cNvPr id="7" name="Рисунок 6"/>
-          <p:cNvPicPr/>
-          <p:nvPr/>
-        </p:nvPicPr>
-        <p:blipFill>
-          <a:blip r:embed="rId2" cstate="print"/>
-          <a:srcRect/>
-          <a:stretch>
-            <a:fillRect/>
-          </a:stretch>
-        </p:blipFill>
-        <p:spPr bwMode="auto">
-          <a:xfrm>
-            <a:off x="762739" y="951219"/>
-            <a:ext cx="3944172" cy="3320978"/>
-          </a:xfrm>
-          <a:prstGeom prst="rect">
-            <a:avLst/>
-          </a:prstGeom>
-          <a:noFill/>
-          <a:ln w="9525">
-            <a:noFill/>
-            <a:miter lim="800000"/>
-            <a:headEnd/>
-            <a:tailEnd/>
-          </a:ln>
-        </p:spPr>
-      </p:pic>
-      <p:pic>
-        <p:nvPicPr>
-          <p:cNvPr id="30723" name="Picture 3" descr="C:\Users\Таня\Desktop\фото на презентацию\6.png"/>
-          <p:cNvPicPr>
-            <a:picLocks noChangeAspect="1" noChangeArrowheads="1"/>
-          </p:cNvPicPr>
-          <p:nvPr/>
-        </p:nvPicPr>
-        <p:blipFill>
-          <a:blip r:embed="rId3" cstate="print"/>
-          <a:srcRect/>
-          <a:stretch>
-            <a:fillRect/>
-          </a:stretch>
-        </p:blipFill>
-        <p:spPr bwMode="auto">
-          <a:xfrm>
-            <a:off x="4886793" y="940633"/>
-            <a:ext cx="3912433" cy="3376534"/>
-          </a:xfrm>
-          <a:prstGeom prst="rect">
-            <a:avLst/>
-          </a:prstGeom>
-          <a:noFill/>
-        </p:spPr>
-      </p:pic>
-      <p:sp>
-        <p:nvSpPr>
-          <p:cNvPr id="10" name="Rectangle 2">
-            <a:extLst>
-              <a:ext uri="{FF2B5EF4-FFF2-40B4-BE49-F238E27FC236}">
-                <a16:creationId xmlns="" xmlns:a16="http://schemas.microsoft.com/office/drawing/2014/main" id="{8E7C3786-D3F2-4603-98F0-FF25177C4EF9}"/>
-              </a:ext>
-            </a:extLst>
-          </p:cNvPr>
-          <p:cNvSpPr>
-            <a:spLocks noChangeArrowheads="1"/>
-          </p:cNvSpPr>
-          <p:nvPr/>
-        </p:nvSpPr>
-        <p:spPr bwMode="auto">
-          <a:xfrm>
-            <a:off x="4871803" y="4308207"/>
-            <a:ext cx="3882451" cy="830997"/>
-          </a:xfrm>
-          <a:prstGeom prst="rect">
-            <a:avLst/>
-          </a:prstGeom>
-          <a:noFill/>
-          <a:ln>
-            <a:noFill/>
-          </a:ln>
-          <a:effectLst/>
-          <a:extLst>
-            <a:ext uri="{909E8E84-426E-40DD-AFC4-6F175D3DCCD1}">
-              <a14:hiddenFill xmlns="" xmlns:a14="http://schemas.microsoft.com/office/drawing/2010/main">
-                <a:solidFill>
-                  <a:schemeClr val="accent1"/>
-                </a:solidFill>
-              </a14:hiddenFill>
-            </a:ext>
-            <a:ext uri="{91240B29-F687-4F45-9708-019B960494DF}">
-              <a14:hiddenLine xmlns="" xmlns:a14="http://schemas.microsoft.com/office/drawing/2010/main" w="9525">
-                <a:solidFill>
-                  <a:schemeClr val="tx1"/>
-                </a:solidFill>
-                <a:miter lim="800000"/>
-                <a:headEnd/>
-                <a:tailEnd/>
-              </a14:hiddenLine>
-            </a:ext>
-            <a:ext uri="{AF507438-7753-43E0-B8FC-AC1667EBCBE1}">
-              <a14:hiddenEffects xmlns="" xmlns:a14="http://schemas.microsoft.com/office/drawing/2010/main">
-                <a:effectLst>
-                  <a:outerShdw dist="35921" dir="2700000" algn="ctr" rotWithShape="0">
-                    <a:schemeClr val="bg2"/>
-                  </a:outerShdw>
-                </a:effectLst>
-              </a14:hiddenEffects>
-            </a:ext>
-          </a:extLst>
-        </p:spPr>
-        <p:txBody>
-          <a:bodyPr vert="horz" wrap="square" lIns="91440" tIns="45720" rIns="91440" bIns="45720" numCol="1" anchor="ctr" anchorCtr="0" compatLnSpc="1">
-            <a:prstTxWarp prst="textNoShape">
-              <a:avLst/>
-            </a:prstTxWarp>
-            <a:spAutoFit/>
-          </a:bodyPr>
-          <a:lstStyle/>
-          <a:p>
-            <a:pPr lvl="0" indent="449263" algn="ctr" eaLnBrk="0" fontAlgn="base" hangingPunct="0">
-              <a:spcBef>
-                <a:spcPct val="0"/>
-              </a:spcBef>
-              <a:spcAft>
-                <a:spcPct val="0"/>
-              </a:spcAft>
-            </a:pPr>
-            <a:r>
-              <a:rPr lang="de-DE" altLang="ru-RU" sz="2400" dirty="0" smtClean="0">
-                <a:latin typeface="Times New Roman" pitchFamily="18" charset="0"/>
-                <a:cs typeface="Times New Roman" pitchFamily="18" charset="0"/>
-              </a:rPr>
-              <a:t>Abbildung 5b - Diagramm der Komponenten.</a:t>
-            </a:r>
-            <a:endParaRPr kumimoji="0" lang="ru-RU" altLang="ru-RU" sz="2400" b="0" i="0" u="none" strike="noStrike" cap="none" normalizeH="0" baseline="0" dirty="0">
-              <a:ln>
-                <a:noFill/>
-              </a:ln>
-              <a:solidFill>
-                <a:schemeClr val="tx1"/>
-              </a:solidFill>
-              <a:effectLst/>
-              <a:latin typeface="Times New Roman" pitchFamily="18" charset="0"/>
-              <a:cs typeface="Times New Roman" pitchFamily="18" charset="0"/>
-            </a:endParaRPr>
-          </a:p>
-        </p:txBody>
-      </p:sp>
-    </p:spTree>
-    <p:extLst>
-      <p:ext uri="{BB962C8B-B14F-4D97-AF65-F5344CB8AC3E}">
-        <p14:creationId xmlns="" xmlns:p14="http://schemas.microsoft.com/office/powerpoint/2010/main" val="1878654547"/>
-      </p:ext>
-    </p:extLst>
-  </p:cSld>
-  <p:clrMapOvr>
-    <a:masterClrMapping/>
-  </p:clrMapOvr>
-</p:sld>
-</file>
-
-<file path=ppt/slides/slide9.xml><?xml version="1.0" encoding="utf-8"?>
-<p:sld xmlns:a="http://schemas.openxmlformats.org/drawingml/2006/main" xmlns:r="http://schemas.openxmlformats.org/officeDocument/2006/relationships" xmlns:p="http://schemas.openxmlformats.org/presentationml/2006/main">
-  <p:cSld>
-    <p:spTree>
-      <p:nvGrpSpPr>
-        <p:cNvPr id="1" name=""/>
-        <p:cNvGrpSpPr/>
-        <p:nvPr/>
-      </p:nvGrpSpPr>
-      <p:grpSpPr>
-        <a:xfrm>
-          <a:off x="0" y="0"/>
-          <a:ext cx="0" cy="0"/>
-          <a:chOff x="0" y="0"/>
-          <a:chExt cx="0" cy="0"/>
-        </a:xfrm>
-      </p:grpSpPr>
-      <p:sp>
-        <p:nvSpPr>
-          <p:cNvPr id="3" name="TextBox 2"/>
-          <p:cNvSpPr txBox="1"/>
-          <p:nvPr/>
-        </p:nvSpPr>
-        <p:spPr>
-          <a:xfrm>
-            <a:off x="866689" y="208860"/>
-            <a:ext cx="7898675" cy="523220"/>
-          </a:xfrm>
-          <a:prstGeom prst="rect">
-            <a:avLst/>
-          </a:prstGeom>
-          <a:noFill/>
-        </p:spPr>
-        <p:txBody>
-          <a:bodyPr wrap="square" rtlCol="0" anchor="ctr" anchorCtr="1">
-            <a:spAutoFit/>
-          </a:bodyPr>
-          <a:lstStyle/>
-          <a:p>
-            <a:pPr algn="ctr"/>
-            <a:r>
-              <a:rPr lang="en-US" sz="2800" dirty="0" err="1" smtClean="0">
-                <a:solidFill>
-                  <a:schemeClr val="bg1"/>
-                </a:solidFill>
-                <a:latin typeface="Elektra Text Pro" panose="02000503030000020004" pitchFamily="50" charset="-52"/>
-              </a:rPr>
-              <a:t>Programmierergebnisse</a:t>
-            </a:r>
-            <a:endParaRPr lang="ru-RU" sz="2800" dirty="0">
-              <a:solidFill>
-                <a:schemeClr val="bg1"/>
-              </a:solidFill>
-              <a:latin typeface="Elektra Text Pro" panose="02000503030000020004" pitchFamily="50" charset="-52"/>
-            </a:endParaRPr>
-          </a:p>
-        </p:txBody>
-      </p:sp>
-      <p:sp>
-        <p:nvSpPr>
-          <p:cNvPr id="4" name="TextBox 3"/>
-          <p:cNvSpPr txBox="1"/>
-          <p:nvPr/>
-        </p:nvSpPr>
-        <p:spPr>
-          <a:xfrm>
-            <a:off x="8067539" y="6332760"/>
-            <a:ext cx="469107" cy="369332"/>
-          </a:xfrm>
-          <a:prstGeom prst="rect">
-            <a:avLst/>
-          </a:prstGeom>
-          <a:noFill/>
-        </p:spPr>
-        <p:txBody>
-          <a:bodyPr wrap="square" rtlCol="0">
-            <a:spAutoFit/>
-          </a:bodyPr>
-          <a:lstStyle/>
-          <a:p>
-            <a:pPr algn="ctr"/>
-            <a:fld id="{4CB11690-5800-4A0D-8C28-71894E2CF362}" type="slidenum">
-              <a:rPr lang="ru-RU" smtClean="0">
-                <a:solidFill>
-                  <a:schemeClr val="bg1"/>
-                </a:solidFill>
-                <a:latin typeface="Elektra Medium Pro" panose="02000803000000020004" pitchFamily="50" charset="-52"/>
-              </a:rPr>
-              <a:pPr algn="ctr"/>
-              <a:t>9</a:t>
-            </a:fld>
-            <a:endParaRPr lang="ru-RU" dirty="0">
-              <a:solidFill>
-                <a:schemeClr val="bg1"/>
-              </a:solidFill>
-              <a:latin typeface="Elektra Medium Pro" panose="02000803000000020004" pitchFamily="50" charset="-52"/>
-            </a:endParaRPr>
-          </a:p>
-        </p:txBody>
-      </p:sp>
-      <p:sp>
-        <p:nvSpPr>
-          <p:cNvPr id="6" name="Rectangle 2">
-            <a:extLst>
-              <a:ext uri="{FF2B5EF4-FFF2-40B4-BE49-F238E27FC236}">
-                <a16:creationId xmlns="" xmlns:a16="http://schemas.microsoft.com/office/drawing/2014/main" id="{8E7C3786-D3F2-4603-98F0-FF25177C4EF9}"/>
-              </a:ext>
-            </a:extLst>
-          </p:cNvPr>
-          <p:cNvSpPr>
-            <a:spLocks noChangeArrowheads="1"/>
-          </p:cNvSpPr>
-          <p:nvPr/>
-        </p:nvSpPr>
-        <p:spPr bwMode="auto">
-          <a:xfrm>
-            <a:off x="2034535" y="5644203"/>
-            <a:ext cx="5409173" cy="579967"/>
-          </a:xfrm>
-          <a:prstGeom prst="rect">
-            <a:avLst/>
-          </a:prstGeom>
-          <a:noFill/>
-          <a:ln>
-            <a:noFill/>
-          </a:ln>
-          <a:effectLst/>
-          <a:extLst>
-            <a:ext uri="{909E8E84-426E-40DD-AFC4-6F175D3DCCD1}">
-              <a14:hiddenFill xmlns="" xmlns:a14="http://schemas.microsoft.com/office/drawing/2010/main">
-                <a:solidFill>
-                  <a:schemeClr val="accent1"/>
-                </a:solidFill>
-              </a14:hiddenFill>
-            </a:ext>
-            <a:ext uri="{91240B29-F687-4F45-9708-019B960494DF}">
-              <a14:hiddenLine xmlns="" xmlns:a14="http://schemas.microsoft.com/office/drawing/2010/main" w="9525">
-                <a:solidFill>
-                  <a:schemeClr val="tx1"/>
-                </a:solidFill>
-                <a:miter lim="800000"/>
-                <a:headEnd/>
-                <a:tailEnd/>
-              </a14:hiddenLine>
-            </a:ext>
-            <a:ext uri="{AF507438-7753-43E0-B8FC-AC1667EBCBE1}">
-              <a14:hiddenEffects xmlns="" xmlns:a14="http://schemas.microsoft.com/office/drawing/2010/main">
-                <a:effectLst>
-                  <a:outerShdw dist="35921" dir="2700000" algn="ctr" rotWithShape="0">
-                    <a:schemeClr val="bg2"/>
-                  </a:outerShdw>
-                </a:effectLst>
-              </a14:hiddenEffects>
-            </a:ext>
-          </a:extLst>
-        </p:spPr>
-        <p:txBody>
-          <a:bodyPr vert="horz" wrap="none" lIns="91440" tIns="45720" rIns="91440" bIns="45720" numCol="1" anchor="ctr" anchorCtr="0" compatLnSpc="1">
-            <a:prstTxWarp prst="textNoShape">
-              <a:avLst/>
-            </a:prstTxWarp>
-            <a:spAutoFit/>
-          </a:bodyPr>
-          <a:lstStyle/>
-          <a:p>
-            <a:pPr lvl="0" indent="449263" algn="ctr" eaLnBrk="0" fontAlgn="base" hangingPunct="0">
-              <a:lnSpc>
-                <a:spcPct val="150000"/>
-              </a:lnSpc>
-              <a:spcBef>
-                <a:spcPct val="0"/>
-              </a:spcBef>
-              <a:spcAft>
-                <a:spcPct val="0"/>
-              </a:spcAft>
-            </a:pPr>
-            <a:r>
-              <a:rPr lang="en-US" altLang="ru-RU" sz="2400" dirty="0" err="1" smtClean="0">
-                <a:latin typeface="Times New Roman" pitchFamily="18" charset="0"/>
-                <a:cs typeface="Times New Roman" pitchFamily="18" charset="0"/>
-              </a:rPr>
-              <a:t>Abbildung</a:t>
-            </a:r>
-            <a:r>
-              <a:rPr lang="en-US" altLang="ru-RU" sz="2400" dirty="0" smtClean="0">
-                <a:latin typeface="Times New Roman" pitchFamily="18" charset="0"/>
-                <a:cs typeface="Times New Roman" pitchFamily="18" charset="0"/>
-              </a:rPr>
-              <a:t> 6 – </a:t>
-            </a:r>
-            <a:r>
-              <a:rPr lang="en-US" altLang="ru-RU" sz="2400" dirty="0" err="1" smtClean="0">
-                <a:latin typeface="Times New Roman" pitchFamily="18" charset="0"/>
-                <a:cs typeface="Times New Roman" pitchFamily="18" charset="0"/>
-              </a:rPr>
-              <a:t>Datenbankaufbaubaum</a:t>
-            </a:r>
-            <a:r>
-              <a:rPr lang="en-US" altLang="ru-RU" dirty="0" smtClean="0">
-                <a:latin typeface="Arial" panose="020B0604020202020204" pitchFamily="34" charset="0"/>
-              </a:rPr>
-              <a:t>.</a:t>
-            </a:r>
-            <a:endParaRPr kumimoji="0" lang="ru-RU" altLang="ru-RU" sz="1800" b="0" i="0" u="none" strike="noStrike" cap="none" normalizeH="0" baseline="0" dirty="0">
-              <a:ln>
-                <a:noFill/>
-              </a:ln>
-              <a:solidFill>
-                <a:schemeClr val="tx1"/>
-              </a:solidFill>
-              <a:effectLst/>
-              <a:latin typeface="Arial" panose="020B0604020202020204" pitchFamily="34" charset="0"/>
-            </a:endParaRPr>
-          </a:p>
-        </p:txBody>
-      </p:sp>
-      <p:pic>
-        <p:nvPicPr>
-          <p:cNvPr id="7" name="Рисунок 6"/>
-          <p:cNvPicPr/>
-          <p:nvPr/>
-        </p:nvPicPr>
-        <p:blipFill>
-          <a:blip r:embed="rId2" cstate="print"/>
-          <a:srcRect l="10663" r="5194"/>
-          <a:stretch>
-            <a:fillRect/>
-          </a:stretch>
-        </p:blipFill>
-        <p:spPr bwMode="auto">
-          <a:xfrm>
-            <a:off x="764499" y="1194798"/>
-            <a:ext cx="3642609" cy="4141699"/>
-          </a:xfrm>
-          <a:prstGeom prst="rect">
-            <a:avLst/>
-          </a:prstGeom>
-          <a:noFill/>
-          <a:ln w="9525">
-            <a:noFill/>
-            <a:miter lim="800000"/>
-            <a:headEnd/>
-            <a:tailEnd/>
-          </a:ln>
-        </p:spPr>
-      </p:pic>
-      <p:sp>
-        <p:nvSpPr>
-          <p:cNvPr id="10" name="Rectangle 2">
-            <a:extLst>
-              <a:ext uri="{FF2B5EF4-FFF2-40B4-BE49-F238E27FC236}">
-                <a16:creationId xmlns="" xmlns:a16="http://schemas.microsoft.com/office/drawing/2014/main" id="{8E7C3786-D3F2-4603-98F0-FF25177C4EF9}"/>
-              </a:ext>
-            </a:extLst>
-          </p:cNvPr>
-          <p:cNvSpPr>
-            <a:spLocks noChangeArrowheads="1"/>
-          </p:cNvSpPr>
-          <p:nvPr/>
-        </p:nvSpPr>
-        <p:spPr bwMode="auto">
-          <a:xfrm>
-            <a:off x="4533992" y="1195901"/>
-            <a:ext cx="4070363" cy="2795958"/>
-          </a:xfrm>
-          <a:prstGeom prst="rect">
-            <a:avLst/>
-          </a:prstGeom>
-          <a:noFill/>
-          <a:ln>
-            <a:noFill/>
-          </a:ln>
-          <a:effectLst/>
-          <a:extLst>
-            <a:ext uri="{909E8E84-426E-40DD-AFC4-6F175D3DCCD1}">
-              <a14:hiddenFill xmlns="" xmlns:a14="http://schemas.microsoft.com/office/drawing/2010/main">
-                <a:solidFill>
-                  <a:schemeClr val="accent1"/>
-                </a:solidFill>
-              </a14:hiddenFill>
-            </a:ext>
-            <a:ext uri="{91240B29-F687-4F45-9708-019B960494DF}">
-              <a14:hiddenLine xmlns="" xmlns:a14="http://schemas.microsoft.com/office/drawing/2010/main" w="9525">
-                <a:solidFill>
-                  <a:schemeClr val="tx1"/>
-                </a:solidFill>
-                <a:miter lim="800000"/>
-                <a:headEnd/>
-                <a:tailEnd/>
-              </a14:hiddenLine>
-            </a:ext>
-            <a:ext uri="{AF507438-7753-43E0-B8FC-AC1667EBCBE1}">
-              <a14:hiddenEffects xmlns="" xmlns:a14="http://schemas.microsoft.com/office/drawing/2010/main">
-                <a:effectLst>
-                  <a:outerShdw dist="35921" dir="2700000" algn="ctr" rotWithShape="0">
-                    <a:schemeClr val="bg2"/>
-                  </a:outerShdw>
-                </a:effectLst>
-              </a14:hiddenEffects>
-            </a:ext>
-          </a:extLst>
-        </p:spPr>
-        <p:txBody>
-          <a:bodyPr vert="horz" wrap="square" lIns="91440" tIns="45720" rIns="91440" bIns="45720" numCol="1" anchor="ctr" anchorCtr="0" compatLnSpc="1">
-            <a:prstTxWarp prst="textNoShape">
-              <a:avLst/>
-            </a:prstTxWarp>
-            <a:spAutoFit/>
-          </a:bodyPr>
-          <a:lstStyle/>
-          <a:p>
-            <a:pPr lvl="0" indent="449263" algn="just" eaLnBrk="0" fontAlgn="base" hangingPunct="0">
-              <a:lnSpc>
-                <a:spcPct val="150000"/>
-              </a:lnSpc>
-              <a:spcBef>
-                <a:spcPct val="0"/>
-              </a:spcBef>
-              <a:spcAft>
-                <a:spcPct val="0"/>
-              </a:spcAft>
-            </a:pPr>
-            <a:r>
-              <a:rPr lang="de-DE" altLang="ru-RU" sz="2400" dirty="0" smtClean="0">
-                <a:latin typeface="Times New Roman" pitchFamily="18" charset="0"/>
-                <a:cs typeface="Times New Roman" pitchFamily="18" charset="0"/>
-              </a:rPr>
-              <a:t>Nachdem wir alle Parameter beschrieben und alle Diagramme erstellt hatten, erhielten wir als Ergebnis einen Datenbankkonstruktionsbaum.</a:t>
-            </a:r>
-            <a:endParaRPr kumimoji="0" lang="ru-RU" altLang="ru-RU" sz="2400" b="0" i="0" u="none" strike="noStrike" cap="none" normalizeH="0" baseline="0" dirty="0">
-              <a:ln>
-                <a:noFill/>
-              </a:ln>
-              <a:solidFill>
-                <a:schemeClr val="tx1"/>
-              </a:solidFill>
-              <a:effectLst/>
-              <a:latin typeface="Times New Roman" pitchFamily="18" charset="0"/>
-              <a:cs typeface="Times New Roman" pitchFamily="18" charset="0"/>
-            </a:endParaRPr>
-          </a:p>
-        </p:txBody>
-      </p:sp>
-    </p:spTree>
-    <p:extLst>
-      <p:ext uri="{BB962C8B-B14F-4D97-AF65-F5344CB8AC3E}">
-        <p14:creationId xmlns="" xmlns:p14="http://schemas.microsoft.com/office/powerpoint/2010/main" val="1878654547"/>
+        <p14:creationId xmlns="" xmlns:p14="http://schemas.microsoft.com/office/powerpoint/2010/main" val="451246388"/>
       </p:ext>
     </p:extLst>
   </p:cSld>
